--- a/slide/hcnn.pptx
+++ b/slide/hcnn.pptx
@@ -5,10 +5,10 @@
     <p:sldMasterId id="2147483733" r:id="rId4"/>
   </p:sldMasterIdLst>
   <p:notesMasterIdLst>
-    <p:notesMasterId r:id="rId15"/>
+    <p:notesMasterId r:id="rId29"/>
   </p:notesMasterIdLst>
   <p:handoutMasterIdLst>
-    <p:handoutMasterId r:id="rId16"/>
+    <p:handoutMasterId r:id="rId30"/>
   </p:handoutMasterIdLst>
   <p:sldIdLst>
     <p:sldId id="401" r:id="rId5"/>
@@ -21,6 +21,20 @@
     <p:sldId id="456" r:id="rId12"/>
     <p:sldId id="457" r:id="rId13"/>
     <p:sldId id="460" r:id="rId14"/>
+    <p:sldId id="461" r:id="rId15"/>
+    <p:sldId id="462" r:id="rId16"/>
+    <p:sldId id="463" r:id="rId17"/>
+    <p:sldId id="464" r:id="rId18"/>
+    <p:sldId id="465" r:id="rId19"/>
+    <p:sldId id="466" r:id="rId20"/>
+    <p:sldId id="467" r:id="rId21"/>
+    <p:sldId id="468" r:id="rId22"/>
+    <p:sldId id="469" r:id="rId23"/>
+    <p:sldId id="470" r:id="rId24"/>
+    <p:sldId id="471" r:id="rId25"/>
+    <p:sldId id="472" r:id="rId26"/>
+    <p:sldId id="473" r:id="rId27"/>
+    <p:sldId id="474" r:id="rId28"/>
   </p:sldIdLst>
   <p:sldSz cx="12192000" cy="6858000"/>
   <p:notesSz cx="6858000" cy="9144000"/>
@@ -160,7 +174,7 @@
 <file path=ppt/revisionInfo.xml><?xml version="1.0" encoding="utf-8"?>
 <p1510:revInfo xmlns:a="http://schemas.openxmlformats.org/drawingml/2006/main" xmlns:r="http://schemas.openxmlformats.org/officeDocument/2006/relationships" xmlns:p1510="http://schemas.microsoft.com/office/powerpoint/2015/10/main">
   <p1510:revLst>
-    <p1510:client id="{C96C853A-734B-4686-9AC3-73A1DA0A9533}" v="28" dt="2023-12-01T13:58:48.592"/>
+    <p1510:client id="{C96C853A-734B-4686-9AC3-73A1DA0A9533}" v="61" dt="2023-12-02T14:50:11.386"/>
   </p1510:revLst>
 </p1510:revInfo>
 </file>
@@ -3719,7 +3733,7 @@
   <pc:docChgLst>
     <pc:chgData name="tariu Main" userId="7d83114226db9beb" providerId="LiveId" clId="{C96C853A-734B-4686-9AC3-73A1DA0A9533}"/>
     <pc:docChg chg="undo custSel addSld delSld modSld">
-      <pc:chgData name="tariu Main" userId="7d83114226db9beb" providerId="LiveId" clId="{C96C853A-734B-4686-9AC3-73A1DA0A9533}" dt="2023-12-01T14:01:31.076" v="1328" actId="478"/>
+      <pc:chgData name="tariu Main" userId="7d83114226db9beb" providerId="LiveId" clId="{C96C853A-734B-4686-9AC3-73A1DA0A9533}" dt="2023-12-02T15:15:40.640" v="1683" actId="14100"/>
       <pc:docMkLst>
         <pc:docMk/>
       </pc:docMkLst>
@@ -4391,7 +4405,7 @@
         </pc:picChg>
       </pc:sldChg>
       <pc:sldChg chg="delSp modSp new mod">
-        <pc:chgData name="tariu Main" userId="7d83114226db9beb" providerId="LiveId" clId="{C96C853A-734B-4686-9AC3-73A1DA0A9533}" dt="2023-12-01T13:29:13.487" v="1261" actId="478"/>
+        <pc:chgData name="tariu Main" userId="7d83114226db9beb" providerId="LiveId" clId="{C96C853A-734B-4686-9AC3-73A1DA0A9533}" dt="2023-12-02T15:15:40.640" v="1683" actId="14100"/>
         <pc:sldMkLst>
           <pc:docMk/>
           <pc:sldMk cId="2348195081" sldId="458"/>
@@ -4405,7 +4419,7 @@
           </ac:spMkLst>
         </pc:spChg>
         <pc:spChg chg="mod">
-          <ac:chgData name="tariu Main" userId="7d83114226db9beb" providerId="LiveId" clId="{C96C853A-734B-4686-9AC3-73A1DA0A9533}" dt="2023-12-01T13:28:43.758" v="1234" actId="20577"/>
+          <ac:chgData name="tariu Main" userId="7d83114226db9beb" providerId="LiveId" clId="{C96C853A-734B-4686-9AC3-73A1DA0A9533}" dt="2023-12-02T15:15:40.640" v="1683" actId="14100"/>
           <ac:spMkLst>
             <pc:docMk/>
             <pc:sldMk cId="2348195081" sldId="458"/>
@@ -4438,7 +4452,7 @@
         </pc:spChg>
       </pc:sldChg>
       <pc:sldChg chg="delSp modSp add mod">
-        <pc:chgData name="tariu Main" userId="7d83114226db9beb" providerId="LiveId" clId="{C96C853A-734B-4686-9AC3-73A1DA0A9533}" dt="2023-12-01T13:55:06.159" v="1308" actId="20577"/>
+        <pc:chgData name="tariu Main" userId="7d83114226db9beb" providerId="LiveId" clId="{C96C853A-734B-4686-9AC3-73A1DA0A9533}" dt="2023-12-02T14:52:50.818" v="1662" actId="20577"/>
         <pc:sldMkLst>
           <pc:docMk/>
           <pc:sldMk cId="2196432887" sldId="459"/>
@@ -4452,7 +4466,7 @@
           </ac:spMkLst>
         </pc:spChg>
         <pc:spChg chg="mod">
-          <ac:chgData name="tariu Main" userId="7d83114226db9beb" providerId="LiveId" clId="{C96C853A-734B-4686-9AC3-73A1DA0A9533}" dt="2023-12-01T13:55:06.159" v="1308" actId="20577"/>
+          <ac:chgData name="tariu Main" userId="7d83114226db9beb" providerId="LiveId" clId="{C96C853A-734B-4686-9AC3-73A1DA0A9533}" dt="2023-12-02T14:52:50.818" v="1662" actId="20577"/>
           <ac:spMkLst>
             <pc:docMk/>
             <pc:sldMk cId="2196432887" sldId="459"/>
@@ -4477,7 +4491,7 @@
         </pc:spChg>
       </pc:sldChg>
       <pc:sldChg chg="addSp delSp modSp add mod">
-        <pc:chgData name="tariu Main" userId="7d83114226db9beb" providerId="LiveId" clId="{C96C853A-734B-4686-9AC3-73A1DA0A9533}" dt="2023-12-01T14:01:31.076" v="1328" actId="478"/>
+        <pc:chgData name="tariu Main" userId="7d83114226db9beb" providerId="LiveId" clId="{C96C853A-734B-4686-9AC3-73A1DA0A9533}" dt="2023-12-02T14:18:12.718" v="1332" actId="1076"/>
         <pc:sldMkLst>
           <pc:docMk/>
           <pc:sldMk cId="1680311101" sldId="460"/>
@@ -4514,6 +4528,14 @@
             <ac:spMk id="6" creationId="{8561F9E9-855E-BD24-DF4F-34DC6C477075}"/>
           </ac:spMkLst>
         </pc:spChg>
+        <pc:picChg chg="add mod">
+          <ac:chgData name="tariu Main" userId="7d83114226db9beb" providerId="LiveId" clId="{C96C853A-734B-4686-9AC3-73A1DA0A9533}" dt="2023-12-02T14:18:12.718" v="1332" actId="1076"/>
+          <ac:picMkLst>
+            <pc:docMk/>
+            <pc:sldMk cId="1680311101" sldId="460"/>
+            <ac:picMk id="4" creationId="{B3CA05C5-A7D6-D405-89FB-022BA3F23BA1}"/>
+          </ac:picMkLst>
+        </pc:picChg>
         <pc:picChg chg="del">
           <ac:chgData name="tariu Main" userId="7d83114226db9beb" providerId="LiveId" clId="{C96C853A-734B-4686-9AC3-73A1DA0A9533}" dt="2023-12-01T13:58:48.592" v="1325" actId="478"/>
           <ac:picMkLst>
@@ -4528,6 +4550,368 @@
             <pc:docMk/>
             <pc:sldMk cId="1680311101" sldId="460"/>
             <ac:picMk id="1028" creationId="{71993EEB-4949-E929-E624-AAA38395D2AA}"/>
+          </ac:picMkLst>
+        </pc:picChg>
+      </pc:sldChg>
+      <pc:sldChg chg="addSp delSp modSp add mod">
+        <pc:chgData name="tariu Main" userId="7d83114226db9beb" providerId="LiveId" clId="{C96C853A-734B-4686-9AC3-73A1DA0A9533}" dt="2023-12-02T14:28:09.760" v="1339" actId="1076"/>
+        <pc:sldMkLst>
+          <pc:docMk/>
+          <pc:sldMk cId="1696508316" sldId="461"/>
+        </pc:sldMkLst>
+        <pc:picChg chg="del">
+          <ac:chgData name="tariu Main" userId="7d83114226db9beb" providerId="LiveId" clId="{C96C853A-734B-4686-9AC3-73A1DA0A9533}" dt="2023-12-02T14:23:24.818" v="1334" actId="478"/>
+          <ac:picMkLst>
+            <pc:docMk/>
+            <pc:sldMk cId="1696508316" sldId="461"/>
+            <ac:picMk id="4" creationId="{B3CA05C5-A7D6-D405-89FB-022BA3F23BA1}"/>
+          </ac:picMkLst>
+        </pc:picChg>
+        <pc:picChg chg="add mod">
+          <ac:chgData name="tariu Main" userId="7d83114226db9beb" providerId="LiveId" clId="{C96C853A-734B-4686-9AC3-73A1DA0A9533}" dt="2023-12-02T14:28:09.760" v="1339" actId="1076"/>
+          <ac:picMkLst>
+            <pc:docMk/>
+            <pc:sldMk cId="1696508316" sldId="461"/>
+            <ac:picMk id="5" creationId="{73AC3151-457D-EE8B-CF3D-94416388B2B1}"/>
+          </ac:picMkLst>
+        </pc:picChg>
+      </pc:sldChg>
+      <pc:sldChg chg="addSp delSp modSp add mod">
+        <pc:chgData name="tariu Main" userId="7d83114226db9beb" providerId="LiveId" clId="{C96C853A-734B-4686-9AC3-73A1DA0A9533}" dt="2023-12-02T14:28:30.459" v="1349" actId="1076"/>
+        <pc:sldMkLst>
+          <pc:docMk/>
+          <pc:sldMk cId="1125151261" sldId="462"/>
+        </pc:sldMkLst>
+        <pc:picChg chg="add mod">
+          <ac:chgData name="tariu Main" userId="7d83114226db9beb" providerId="LiveId" clId="{C96C853A-734B-4686-9AC3-73A1DA0A9533}" dt="2023-12-02T14:28:30.459" v="1349" actId="1076"/>
+          <ac:picMkLst>
+            <pc:docMk/>
+            <pc:sldMk cId="1125151261" sldId="462"/>
+            <ac:picMk id="4" creationId="{4CBAE4D8-0850-D161-E7E7-B4AC6D46FC64}"/>
+          </ac:picMkLst>
+        </pc:picChg>
+        <pc:picChg chg="del">
+          <ac:chgData name="tariu Main" userId="7d83114226db9beb" providerId="LiveId" clId="{C96C853A-734B-4686-9AC3-73A1DA0A9533}" dt="2023-12-02T14:28:21.788" v="1345" actId="478"/>
+          <ac:picMkLst>
+            <pc:docMk/>
+            <pc:sldMk cId="1125151261" sldId="462"/>
+            <ac:picMk id="5" creationId="{73AC3151-457D-EE8B-CF3D-94416388B2B1}"/>
+          </ac:picMkLst>
+        </pc:picChg>
+      </pc:sldChg>
+      <pc:sldChg chg="addSp delSp modSp add mod">
+        <pc:chgData name="tariu Main" userId="7d83114226db9beb" providerId="LiveId" clId="{C96C853A-734B-4686-9AC3-73A1DA0A9533}" dt="2023-12-02T14:32:49.180" v="1368" actId="1076"/>
+        <pc:sldMkLst>
+          <pc:docMk/>
+          <pc:sldMk cId="2048063848" sldId="463"/>
+        </pc:sldMkLst>
+        <pc:spChg chg="add mod">
+          <ac:chgData name="tariu Main" userId="7d83114226db9beb" providerId="LiveId" clId="{C96C853A-734B-4686-9AC3-73A1DA0A9533}" dt="2023-12-02T14:29:12.309" v="1361" actId="1076"/>
+          <ac:spMkLst>
+            <pc:docMk/>
+            <pc:sldMk cId="2048063848" sldId="463"/>
+            <ac:spMk id="6" creationId="{AC43010F-B4E4-0162-924C-A5DC3F0A7DDB}"/>
+          </ac:spMkLst>
+        </pc:spChg>
+        <pc:spChg chg="add mod">
+          <ac:chgData name="tariu Main" userId="7d83114226db9beb" providerId="LiveId" clId="{C96C853A-734B-4686-9AC3-73A1DA0A9533}" dt="2023-12-02T14:30:26.328" v="1366" actId="1076"/>
+          <ac:spMkLst>
+            <pc:docMk/>
+            <pc:sldMk cId="2048063848" sldId="463"/>
+            <ac:spMk id="7" creationId="{1DD1A20C-9DB6-6B5E-8672-D993B0F48DBA}"/>
+          </ac:spMkLst>
+        </pc:spChg>
+        <pc:spChg chg="add mod">
+          <ac:chgData name="tariu Main" userId="7d83114226db9beb" providerId="LiveId" clId="{C96C853A-734B-4686-9AC3-73A1DA0A9533}" dt="2023-12-02T14:32:49.180" v="1368" actId="1076"/>
+          <ac:spMkLst>
+            <pc:docMk/>
+            <pc:sldMk cId="2048063848" sldId="463"/>
+            <ac:spMk id="9" creationId="{6151257B-B55A-EECF-59B3-03A487DE7CC0}"/>
+          </ac:spMkLst>
+        </pc:spChg>
+        <pc:picChg chg="del">
+          <ac:chgData name="tariu Main" userId="7d83114226db9beb" providerId="LiveId" clId="{C96C853A-734B-4686-9AC3-73A1DA0A9533}" dt="2023-12-02T14:28:44.276" v="1355" actId="478"/>
+          <ac:picMkLst>
+            <pc:docMk/>
+            <pc:sldMk cId="2048063848" sldId="463"/>
+            <ac:picMk id="4" creationId="{4CBAE4D8-0850-D161-E7E7-B4AC6D46FC64}"/>
+          </ac:picMkLst>
+        </pc:picChg>
+        <pc:picChg chg="add mod">
+          <ac:chgData name="tariu Main" userId="7d83114226db9beb" providerId="LiveId" clId="{C96C853A-734B-4686-9AC3-73A1DA0A9533}" dt="2023-12-02T14:28:51.985" v="1358" actId="1076"/>
+          <ac:picMkLst>
+            <pc:docMk/>
+            <pc:sldMk cId="2048063848" sldId="463"/>
+            <ac:picMk id="5" creationId="{40AA5911-6DF6-4A8B-FF71-56248305A0A9}"/>
+          </ac:picMkLst>
+        </pc:picChg>
+      </pc:sldChg>
+      <pc:sldChg chg="add">
+        <pc:chgData name="tariu Main" userId="7d83114226db9beb" providerId="LiveId" clId="{C96C853A-734B-4686-9AC3-73A1DA0A9533}" dt="2023-12-02T14:28:57.629" v="1359"/>
+        <pc:sldMkLst>
+          <pc:docMk/>
+          <pc:sldMk cId="3301545478" sldId="464"/>
+        </pc:sldMkLst>
+      </pc:sldChg>
+      <pc:sldChg chg="addSp delSp modSp add mod">
+        <pc:chgData name="tariu Main" userId="7d83114226db9beb" providerId="LiveId" clId="{C96C853A-734B-4686-9AC3-73A1DA0A9533}" dt="2023-12-02T14:35:49.571" v="1413" actId="1035"/>
+        <pc:sldMkLst>
+          <pc:docMk/>
+          <pc:sldMk cId="3773996356" sldId="465"/>
+        </pc:sldMkLst>
+        <pc:picChg chg="add mod">
+          <ac:chgData name="tariu Main" userId="7d83114226db9beb" providerId="LiveId" clId="{C96C853A-734B-4686-9AC3-73A1DA0A9533}" dt="2023-12-02T14:35:49.571" v="1413" actId="1035"/>
+          <ac:picMkLst>
+            <pc:docMk/>
+            <pc:sldMk cId="3773996356" sldId="465"/>
+            <ac:picMk id="4" creationId="{7D531848-6DA3-5B73-9950-9CA83767D76B}"/>
+          </ac:picMkLst>
+        </pc:picChg>
+        <pc:picChg chg="del mod">
+          <ac:chgData name="tariu Main" userId="7d83114226db9beb" providerId="LiveId" clId="{C96C853A-734B-4686-9AC3-73A1DA0A9533}" dt="2023-12-02T14:35:41.624" v="1374" actId="478"/>
+          <ac:picMkLst>
+            <pc:docMk/>
+            <pc:sldMk cId="3773996356" sldId="465"/>
+            <ac:picMk id="5" creationId="{40AA5911-6DF6-4A8B-FF71-56248305A0A9}"/>
+          </ac:picMkLst>
+        </pc:picChg>
+      </pc:sldChg>
+      <pc:sldChg chg="addSp delSp modSp add mod">
+        <pc:chgData name="tariu Main" userId="7d83114226db9beb" providerId="LiveId" clId="{C96C853A-734B-4686-9AC3-73A1DA0A9533}" dt="2023-12-02T14:38:49.504" v="1424" actId="1076"/>
+        <pc:sldMkLst>
+          <pc:docMk/>
+          <pc:sldMk cId="3888582516" sldId="466"/>
+        </pc:sldMkLst>
+        <pc:picChg chg="add mod">
+          <ac:chgData name="tariu Main" userId="7d83114226db9beb" providerId="LiveId" clId="{C96C853A-734B-4686-9AC3-73A1DA0A9533}" dt="2023-12-02T14:38:49.504" v="1424" actId="1076"/>
+          <ac:picMkLst>
+            <pc:docMk/>
+            <pc:sldMk cId="3888582516" sldId="466"/>
+            <ac:picMk id="4" creationId="{512DCC17-B330-8D25-0E1F-86CF2765AF35}"/>
+          </ac:picMkLst>
+        </pc:picChg>
+        <pc:picChg chg="del">
+          <ac:chgData name="tariu Main" userId="7d83114226db9beb" providerId="LiveId" clId="{C96C853A-734B-4686-9AC3-73A1DA0A9533}" dt="2023-12-02T14:38:26.267" v="1419" actId="478"/>
+          <ac:picMkLst>
+            <pc:docMk/>
+            <pc:sldMk cId="3888582516" sldId="466"/>
+            <ac:picMk id="5" creationId="{40AA5911-6DF6-4A8B-FF71-56248305A0A9}"/>
+          </ac:picMkLst>
+        </pc:picChg>
+      </pc:sldChg>
+      <pc:sldChg chg="addSp delSp modSp add mod">
+        <pc:chgData name="tariu Main" userId="7d83114226db9beb" providerId="LiveId" clId="{C96C853A-734B-4686-9AC3-73A1DA0A9533}" dt="2023-12-02T14:40:09.541" v="1448" actId="1036"/>
+        <pc:sldMkLst>
+          <pc:docMk/>
+          <pc:sldMk cId="1715644715" sldId="467"/>
+        </pc:sldMkLst>
+        <pc:picChg chg="add del mod">
+          <ac:chgData name="tariu Main" userId="7d83114226db9beb" providerId="LiveId" clId="{C96C853A-734B-4686-9AC3-73A1DA0A9533}" dt="2023-12-02T14:39:05.177" v="1429" actId="478"/>
+          <ac:picMkLst>
+            <pc:docMk/>
+            <pc:sldMk cId="1715644715" sldId="467"/>
+            <ac:picMk id="4" creationId="{290EAA17-44C4-49BC-8D71-CA196C7C033E}"/>
+          </ac:picMkLst>
+        </pc:picChg>
+        <pc:picChg chg="del">
+          <ac:chgData name="tariu Main" userId="7d83114226db9beb" providerId="LiveId" clId="{C96C853A-734B-4686-9AC3-73A1DA0A9533}" dt="2023-12-02T14:39:00.154" v="1425" actId="478"/>
+          <ac:picMkLst>
+            <pc:docMk/>
+            <pc:sldMk cId="1715644715" sldId="467"/>
+            <ac:picMk id="5" creationId="{40AA5911-6DF6-4A8B-FF71-56248305A0A9}"/>
+          </ac:picMkLst>
+        </pc:picChg>
+        <pc:picChg chg="add mod">
+          <ac:chgData name="tariu Main" userId="7d83114226db9beb" providerId="LiveId" clId="{C96C853A-734B-4686-9AC3-73A1DA0A9533}" dt="2023-12-02T14:40:09.541" v="1448" actId="1036"/>
+          <ac:picMkLst>
+            <pc:docMk/>
+            <pc:sldMk cId="1715644715" sldId="467"/>
+            <ac:picMk id="7" creationId="{5C45E749-981F-8448-F364-AA46EE240F76}"/>
+          </ac:picMkLst>
+        </pc:picChg>
+      </pc:sldChg>
+      <pc:sldChg chg="addSp delSp modSp add mod">
+        <pc:chgData name="tariu Main" userId="7d83114226db9beb" providerId="LiveId" clId="{C96C853A-734B-4686-9AC3-73A1DA0A9533}" dt="2023-12-02T14:49:27.404" v="1510" actId="20577"/>
+        <pc:sldMkLst>
+          <pc:docMk/>
+          <pc:sldMk cId="1066698178" sldId="468"/>
+        </pc:sldMkLst>
+        <pc:spChg chg="mod">
+          <ac:chgData name="tariu Main" userId="7d83114226db9beb" providerId="LiveId" clId="{C96C853A-734B-4686-9AC3-73A1DA0A9533}" dt="2023-12-02T14:49:27.404" v="1510" actId="20577"/>
+          <ac:spMkLst>
+            <pc:docMk/>
+            <pc:sldMk cId="1066698178" sldId="468"/>
+            <ac:spMk id="2" creationId="{3A3C7BDB-B7D1-465C-9965-C0C4D79D10F4}"/>
+          </ac:spMkLst>
+        </pc:spChg>
+        <pc:picChg chg="add mod">
+          <ac:chgData name="tariu Main" userId="7d83114226db9beb" providerId="LiveId" clId="{C96C853A-734B-4686-9AC3-73A1DA0A9533}" dt="2023-12-02T14:40:25.070" v="1453" actId="1076"/>
+          <ac:picMkLst>
+            <pc:docMk/>
+            <pc:sldMk cId="1066698178" sldId="468"/>
+            <ac:picMk id="4" creationId="{37C4AB73-A619-BE43-6412-1B23B7C8FD53}"/>
+          </ac:picMkLst>
+        </pc:picChg>
+        <pc:picChg chg="del">
+          <ac:chgData name="tariu Main" userId="7d83114226db9beb" providerId="LiveId" clId="{C96C853A-734B-4686-9AC3-73A1DA0A9533}" dt="2023-12-02T14:40:16.177" v="1449" actId="478"/>
+          <ac:picMkLst>
+            <pc:docMk/>
+            <pc:sldMk cId="1066698178" sldId="468"/>
+            <ac:picMk id="5" creationId="{40AA5911-6DF6-4A8B-FF71-56248305A0A9}"/>
+          </ac:picMkLst>
+        </pc:picChg>
+      </pc:sldChg>
+      <pc:sldChg chg="addSp delSp modSp add mod">
+        <pc:chgData name="tariu Main" userId="7d83114226db9beb" providerId="LiveId" clId="{C96C853A-734B-4686-9AC3-73A1DA0A9533}" dt="2023-12-02T14:43:40.388" v="1458" actId="1076"/>
+        <pc:sldMkLst>
+          <pc:docMk/>
+          <pc:sldMk cId="2299716896" sldId="469"/>
+        </pc:sldMkLst>
+        <pc:picChg chg="add mod">
+          <ac:chgData name="tariu Main" userId="7d83114226db9beb" providerId="LiveId" clId="{C96C853A-734B-4686-9AC3-73A1DA0A9533}" dt="2023-12-02T14:43:40.388" v="1458" actId="1076"/>
+          <ac:picMkLst>
+            <pc:docMk/>
+            <pc:sldMk cId="2299716896" sldId="469"/>
+            <ac:picMk id="4" creationId="{0F105897-E044-B25D-31E0-CB54C367F382}"/>
+          </ac:picMkLst>
+        </pc:picChg>
+        <pc:picChg chg="del">
+          <ac:chgData name="tariu Main" userId="7d83114226db9beb" providerId="LiveId" clId="{C96C853A-734B-4686-9AC3-73A1DA0A9533}" dt="2023-12-02T14:43:28.520" v="1454" actId="478"/>
+          <ac:picMkLst>
+            <pc:docMk/>
+            <pc:sldMk cId="2299716896" sldId="469"/>
+            <ac:picMk id="5" creationId="{40AA5911-6DF6-4A8B-FF71-56248305A0A9}"/>
+          </ac:picMkLst>
+        </pc:picChg>
+      </pc:sldChg>
+      <pc:sldChg chg="addSp delSp modSp add mod">
+        <pc:chgData name="tariu Main" userId="7d83114226db9beb" providerId="LiveId" clId="{C96C853A-734B-4686-9AC3-73A1DA0A9533}" dt="2023-12-02T14:43:54.893" v="1463" actId="1076"/>
+        <pc:sldMkLst>
+          <pc:docMk/>
+          <pc:sldMk cId="2983909670" sldId="470"/>
+        </pc:sldMkLst>
+        <pc:picChg chg="add mod">
+          <ac:chgData name="tariu Main" userId="7d83114226db9beb" providerId="LiveId" clId="{C96C853A-734B-4686-9AC3-73A1DA0A9533}" dt="2023-12-02T14:43:54.893" v="1463" actId="1076"/>
+          <ac:picMkLst>
+            <pc:docMk/>
+            <pc:sldMk cId="2983909670" sldId="470"/>
+            <ac:picMk id="4" creationId="{9FAAC6C4-BBF8-46A1-29BB-72A8552B239C}"/>
+          </ac:picMkLst>
+        </pc:picChg>
+        <pc:picChg chg="del">
+          <ac:chgData name="tariu Main" userId="7d83114226db9beb" providerId="LiveId" clId="{C96C853A-734B-4686-9AC3-73A1DA0A9533}" dt="2023-12-02T14:43:49.028" v="1459" actId="478"/>
+          <ac:picMkLst>
+            <pc:docMk/>
+            <pc:sldMk cId="2983909670" sldId="470"/>
+            <ac:picMk id="5" creationId="{40AA5911-6DF6-4A8B-FF71-56248305A0A9}"/>
+          </ac:picMkLst>
+        </pc:picChg>
+      </pc:sldChg>
+      <pc:sldChg chg="addSp delSp modSp add mod">
+        <pc:chgData name="tariu Main" userId="7d83114226db9beb" providerId="LiveId" clId="{C96C853A-734B-4686-9AC3-73A1DA0A9533}" dt="2023-12-02T14:44:22.254" v="1472" actId="14100"/>
+        <pc:sldMkLst>
+          <pc:docMk/>
+          <pc:sldMk cId="1653695914" sldId="471"/>
+        </pc:sldMkLst>
+        <pc:picChg chg="del mod">
+          <ac:chgData name="tariu Main" userId="7d83114226db9beb" providerId="LiveId" clId="{C96C853A-734B-4686-9AC3-73A1DA0A9533}" dt="2023-12-02T14:44:03.110" v="1466" actId="478"/>
+          <ac:picMkLst>
+            <pc:docMk/>
+            <pc:sldMk cId="1653695914" sldId="471"/>
+            <ac:picMk id="4" creationId="{9FAAC6C4-BBF8-46A1-29BB-72A8552B239C}"/>
+          </ac:picMkLst>
+        </pc:picChg>
+        <pc:picChg chg="add mod">
+          <ac:chgData name="tariu Main" userId="7d83114226db9beb" providerId="LiveId" clId="{C96C853A-734B-4686-9AC3-73A1DA0A9533}" dt="2023-12-02T14:44:22.254" v="1472" actId="14100"/>
+          <ac:picMkLst>
+            <pc:docMk/>
+            <pc:sldMk cId="1653695914" sldId="471"/>
+            <ac:picMk id="5" creationId="{83252045-F4BD-1F92-3C5D-C91EF3B3442B}"/>
+          </ac:picMkLst>
+        </pc:picChg>
+      </pc:sldChg>
+      <pc:sldChg chg="addSp delSp modSp add mod">
+        <pc:chgData name="tariu Main" userId="7d83114226db9beb" providerId="LiveId" clId="{C96C853A-734B-4686-9AC3-73A1DA0A9533}" dt="2023-12-02T14:44:42.319" v="1481" actId="1076"/>
+        <pc:sldMkLst>
+          <pc:docMk/>
+          <pc:sldMk cId="3777017432" sldId="472"/>
+        </pc:sldMkLst>
+        <pc:picChg chg="add mod">
+          <ac:chgData name="tariu Main" userId="7d83114226db9beb" providerId="LiveId" clId="{C96C853A-734B-4686-9AC3-73A1DA0A9533}" dt="2023-12-02T14:44:42.319" v="1481" actId="1076"/>
+          <ac:picMkLst>
+            <pc:docMk/>
+            <pc:sldMk cId="3777017432" sldId="472"/>
+            <ac:picMk id="4" creationId="{E77E8E6A-8DC7-D9D7-7B41-AAC8AA665B55}"/>
+          </ac:picMkLst>
+        </pc:picChg>
+        <pc:picChg chg="del">
+          <ac:chgData name="tariu Main" userId="7d83114226db9beb" providerId="LiveId" clId="{C96C853A-734B-4686-9AC3-73A1DA0A9533}" dt="2023-12-02T14:44:29.605" v="1474" actId="478"/>
+          <ac:picMkLst>
+            <pc:docMk/>
+            <pc:sldMk cId="3777017432" sldId="472"/>
+            <ac:picMk id="5" creationId="{83252045-F4BD-1F92-3C5D-C91EF3B3442B}"/>
+          </ac:picMkLst>
+        </pc:picChg>
+      </pc:sldChg>
+      <pc:sldChg chg="addSp delSp modSp add mod">
+        <pc:chgData name="tariu Main" userId="7d83114226db9beb" providerId="LiveId" clId="{C96C853A-734B-4686-9AC3-73A1DA0A9533}" dt="2023-12-02T14:52:27.570" v="1661" actId="1076"/>
+        <pc:sldMkLst>
+          <pc:docMk/>
+          <pc:sldMk cId="129331774" sldId="473"/>
+        </pc:sldMkLst>
+        <pc:spChg chg="add del mod">
+          <ac:chgData name="tariu Main" userId="7d83114226db9beb" providerId="LiveId" clId="{C96C853A-734B-4686-9AC3-73A1DA0A9533}" dt="2023-12-02T14:50:32.856" v="1538"/>
+          <ac:spMkLst>
+            <pc:docMk/>
+            <pc:sldMk cId="129331774" sldId="473"/>
+            <ac:spMk id="6" creationId="{6DF267B0-DC1B-6A3D-5DBF-8D41AA78D614}"/>
+          </ac:spMkLst>
+        </pc:spChg>
+        <pc:spChg chg="add mod">
+          <ac:chgData name="tariu Main" userId="7d83114226db9beb" providerId="LiveId" clId="{C96C853A-734B-4686-9AC3-73A1DA0A9533}" dt="2023-12-02T14:52:27.570" v="1661" actId="1076"/>
+          <ac:spMkLst>
+            <pc:docMk/>
+            <pc:sldMk cId="129331774" sldId="473"/>
+            <ac:spMk id="7" creationId="{59DE1268-E43E-3736-7F08-91E5D8E91C85}"/>
+          </ac:spMkLst>
+        </pc:spChg>
+        <pc:picChg chg="del">
+          <ac:chgData name="tariu Main" userId="7d83114226db9beb" providerId="LiveId" clId="{C96C853A-734B-4686-9AC3-73A1DA0A9533}" dt="2023-12-02T14:44:49.734" v="1483" actId="478"/>
+          <ac:picMkLst>
+            <pc:docMk/>
+            <pc:sldMk cId="129331774" sldId="473"/>
+            <ac:picMk id="4" creationId="{E77E8E6A-8DC7-D9D7-7B41-AAC8AA665B55}"/>
+          </ac:picMkLst>
+        </pc:picChg>
+        <pc:picChg chg="add mod">
+          <ac:chgData name="tariu Main" userId="7d83114226db9beb" providerId="LiveId" clId="{C96C853A-734B-4686-9AC3-73A1DA0A9533}" dt="2023-12-02T14:50:46.101" v="1540" actId="1076"/>
+          <ac:picMkLst>
+            <pc:docMk/>
+            <pc:sldMk cId="129331774" sldId="473"/>
+            <ac:picMk id="5" creationId="{4E68BBE2-A442-2782-7DD0-C732E324D3D7}"/>
+          </ac:picMkLst>
+        </pc:picChg>
+      </pc:sldChg>
+      <pc:sldChg chg="addSp delSp modSp add mod">
+        <pc:chgData name="tariu Main" userId="7d83114226db9beb" providerId="LiveId" clId="{C96C853A-734B-4686-9AC3-73A1DA0A9533}" dt="2023-12-02T14:45:28.076" v="1494" actId="1076"/>
+        <pc:sldMkLst>
+          <pc:docMk/>
+          <pc:sldMk cId="3967964876" sldId="474"/>
+        </pc:sldMkLst>
+        <pc:picChg chg="del">
+          <ac:chgData name="tariu Main" userId="7d83114226db9beb" providerId="LiveId" clId="{C96C853A-734B-4686-9AC3-73A1DA0A9533}" dt="2023-12-02T14:45:14.452" v="1489" actId="478"/>
+          <ac:picMkLst>
+            <pc:docMk/>
+            <pc:sldMk cId="3967964876" sldId="474"/>
+            <ac:picMk id="4" creationId="{E77E8E6A-8DC7-D9D7-7B41-AAC8AA665B55}"/>
+          </ac:picMkLst>
+        </pc:picChg>
+        <pc:picChg chg="add mod">
+          <ac:chgData name="tariu Main" userId="7d83114226db9beb" providerId="LiveId" clId="{C96C853A-734B-4686-9AC3-73A1DA0A9533}" dt="2023-12-02T14:45:28.076" v="1494" actId="1076"/>
+          <ac:picMkLst>
+            <pc:docMk/>
+            <pc:sldMk cId="3967964876" sldId="474"/>
+            <ac:picMk id="5" creationId="{74A51C9F-A3A0-2B1B-FC03-870952ACEBAB}"/>
           </ac:picMkLst>
         </pc:picChg>
       </pc:sldChg>
@@ -4638,7 +5022,7 @@
                 <a:latin typeface="Meiryo UI" panose="020B0604030504040204" pitchFamily="50" charset="-128"/>
                 <a:ea typeface="Meiryo UI" panose="020B0604030504040204" pitchFamily="50" charset="-128"/>
               </a:rPr>
-              <a:t>2023/12/1</a:t>
+              <a:t>2023/12/2</a:t>
             </a:fld>
             <a:endParaRPr lang="ja-JP" altLang="en-US" dirty="0">
               <a:latin typeface="Meiryo UI" panose="020B0604030504040204" pitchFamily="50" charset="-128"/>
@@ -4840,7 +5224,7 @@
             <a:fld id="{6A37D618-A509-45FA-BF4A-D91C4E3B7021}" type="datetime1">
               <a:rPr lang="ja-JP" altLang="en-US" smtClean="0"/>
               <a:pPr/>
-              <a:t>2023/12/1</a:t>
+              <a:t>2023/12/2</a:t>
             </a:fld>
             <a:endParaRPr lang="ja-JP" altLang="en-US" dirty="0"/>
           </a:p>
@@ -5249,6 +5633,956 @@
 </p:notes>
 </file>
 
+<file path=ppt/notesSlides/notesSlide10.xml><?xml version="1.0" encoding="utf-8"?>
+<p:notes xmlns:a="http://schemas.openxmlformats.org/drawingml/2006/main" xmlns:r="http://schemas.openxmlformats.org/officeDocument/2006/relationships" xmlns:p="http://schemas.openxmlformats.org/presentationml/2006/main">
+  <p:cSld>
+    <p:spTree>
+      <p:nvGrpSpPr>
+        <p:cNvPr id="1" name=""/>
+        <p:cNvGrpSpPr/>
+        <p:nvPr/>
+      </p:nvGrpSpPr>
+      <p:grpSpPr>
+        <a:xfrm>
+          <a:off x="0" y="0"/>
+          <a:ext cx="0" cy="0"/>
+          <a:chOff x="0" y="0"/>
+          <a:chExt cx="0" cy="0"/>
+        </a:xfrm>
+      </p:grpSpPr>
+      <p:sp>
+        <p:nvSpPr>
+          <p:cNvPr id="2" name="スライド イメージ プレースホルダー 1"/>
+          <p:cNvSpPr>
+            <a:spLocks noGrp="1" noRot="1" noChangeAspect="1"/>
+          </p:cNvSpPr>
+          <p:nvPr>
+            <p:ph type="sldImg"/>
+          </p:nvPr>
+        </p:nvSpPr>
+        <p:spPr/>
+      </p:sp>
+      <p:sp>
+        <p:nvSpPr>
+          <p:cNvPr id="3" name="ノート プレースホルダー 2"/>
+          <p:cNvSpPr>
+            <a:spLocks noGrp="1"/>
+          </p:cNvSpPr>
+          <p:nvPr>
+            <p:ph type="body" idx="1"/>
+          </p:nvPr>
+        </p:nvSpPr>
+        <p:spPr/>
+        <p:txBody>
+          <a:bodyPr rtlCol="0"/>
+          <a:lstStyle/>
+          <a:p>
+            <a:pPr rtl="0"/>
+            <a:endParaRPr lang="ja-JP" altLang="en-US">
+              <a:latin typeface="Meiryo UI" panose="020B0604030504040204" pitchFamily="50" charset="-128"/>
+              <a:ea typeface="Meiryo UI" panose="020B0604030504040204" pitchFamily="50" charset="-128"/>
+            </a:endParaRPr>
+          </a:p>
+        </p:txBody>
+      </p:sp>
+      <p:sp>
+        <p:nvSpPr>
+          <p:cNvPr id="4" name="スライド番号プレースホルダー 3"/>
+          <p:cNvSpPr>
+            <a:spLocks noGrp="1"/>
+          </p:cNvSpPr>
+          <p:nvPr>
+            <p:ph type="sldNum" sz="quarter" idx="5"/>
+          </p:nvPr>
+        </p:nvSpPr>
+        <p:spPr/>
+        <p:txBody>
+          <a:bodyPr rtlCol="0"/>
+          <a:lstStyle/>
+          <a:p>
+            <a:pPr rtl="0"/>
+            <a:fld id="{0D0EDF81-139F-488C-872B-4720FBA6BF98}" type="slidenum">
+              <a:rPr lang="en-US" altLang="ja-JP" smtClean="0">
+                <a:latin typeface="Meiryo UI" panose="020B0604030504040204" pitchFamily="50" charset="-128"/>
+                <a:ea typeface="Meiryo UI" panose="020B0604030504040204" pitchFamily="50" charset="-128"/>
+              </a:rPr>
+              <a:t>12</a:t>
+            </a:fld>
+            <a:endParaRPr lang="ja-JP" altLang="en-US">
+              <a:latin typeface="Meiryo UI" panose="020B0604030504040204" pitchFamily="50" charset="-128"/>
+              <a:ea typeface="Meiryo UI" panose="020B0604030504040204" pitchFamily="50" charset="-128"/>
+            </a:endParaRPr>
+          </a:p>
+        </p:txBody>
+      </p:sp>
+    </p:spTree>
+    <p:extLst>
+      <p:ext uri="{BB962C8B-B14F-4D97-AF65-F5344CB8AC3E}">
+        <p14:creationId xmlns:p14="http://schemas.microsoft.com/office/powerpoint/2010/main" val="2750975764"/>
+      </p:ext>
+    </p:extLst>
+  </p:cSld>
+  <p:clrMapOvr>
+    <a:masterClrMapping/>
+  </p:clrMapOvr>
+</p:notes>
+</file>
+
+<file path=ppt/notesSlides/notesSlide11.xml><?xml version="1.0" encoding="utf-8"?>
+<p:notes xmlns:a="http://schemas.openxmlformats.org/drawingml/2006/main" xmlns:r="http://schemas.openxmlformats.org/officeDocument/2006/relationships" xmlns:p="http://schemas.openxmlformats.org/presentationml/2006/main">
+  <p:cSld>
+    <p:spTree>
+      <p:nvGrpSpPr>
+        <p:cNvPr id="1" name=""/>
+        <p:cNvGrpSpPr/>
+        <p:nvPr/>
+      </p:nvGrpSpPr>
+      <p:grpSpPr>
+        <a:xfrm>
+          <a:off x="0" y="0"/>
+          <a:ext cx="0" cy="0"/>
+          <a:chOff x="0" y="0"/>
+          <a:chExt cx="0" cy="0"/>
+        </a:xfrm>
+      </p:grpSpPr>
+      <p:sp>
+        <p:nvSpPr>
+          <p:cNvPr id="2" name="スライド イメージ プレースホルダー 1"/>
+          <p:cNvSpPr>
+            <a:spLocks noGrp="1" noRot="1" noChangeAspect="1"/>
+          </p:cNvSpPr>
+          <p:nvPr>
+            <p:ph type="sldImg"/>
+          </p:nvPr>
+        </p:nvSpPr>
+        <p:spPr/>
+      </p:sp>
+      <p:sp>
+        <p:nvSpPr>
+          <p:cNvPr id="3" name="ノート プレースホルダー 2"/>
+          <p:cNvSpPr>
+            <a:spLocks noGrp="1"/>
+          </p:cNvSpPr>
+          <p:nvPr>
+            <p:ph type="body" idx="1"/>
+          </p:nvPr>
+        </p:nvSpPr>
+        <p:spPr/>
+        <p:txBody>
+          <a:bodyPr rtlCol="0"/>
+          <a:lstStyle/>
+          <a:p>
+            <a:pPr rtl="0"/>
+            <a:endParaRPr lang="ja-JP" altLang="en-US">
+              <a:latin typeface="Meiryo UI" panose="020B0604030504040204" pitchFamily="50" charset="-128"/>
+              <a:ea typeface="Meiryo UI" panose="020B0604030504040204" pitchFamily="50" charset="-128"/>
+            </a:endParaRPr>
+          </a:p>
+        </p:txBody>
+      </p:sp>
+      <p:sp>
+        <p:nvSpPr>
+          <p:cNvPr id="4" name="スライド番号プレースホルダー 3"/>
+          <p:cNvSpPr>
+            <a:spLocks noGrp="1"/>
+          </p:cNvSpPr>
+          <p:nvPr>
+            <p:ph type="sldNum" sz="quarter" idx="5"/>
+          </p:nvPr>
+        </p:nvSpPr>
+        <p:spPr/>
+        <p:txBody>
+          <a:bodyPr rtlCol="0"/>
+          <a:lstStyle/>
+          <a:p>
+            <a:pPr rtl="0"/>
+            <a:fld id="{0D0EDF81-139F-488C-872B-4720FBA6BF98}" type="slidenum">
+              <a:rPr lang="en-US" altLang="ja-JP" smtClean="0">
+                <a:latin typeface="Meiryo UI" panose="020B0604030504040204" pitchFamily="50" charset="-128"/>
+                <a:ea typeface="Meiryo UI" panose="020B0604030504040204" pitchFamily="50" charset="-128"/>
+              </a:rPr>
+              <a:t>13</a:t>
+            </a:fld>
+            <a:endParaRPr lang="ja-JP" altLang="en-US">
+              <a:latin typeface="Meiryo UI" panose="020B0604030504040204" pitchFamily="50" charset="-128"/>
+              <a:ea typeface="Meiryo UI" panose="020B0604030504040204" pitchFamily="50" charset="-128"/>
+            </a:endParaRPr>
+          </a:p>
+        </p:txBody>
+      </p:sp>
+    </p:spTree>
+    <p:extLst>
+      <p:ext uri="{BB962C8B-B14F-4D97-AF65-F5344CB8AC3E}">
+        <p14:creationId xmlns:p14="http://schemas.microsoft.com/office/powerpoint/2010/main" val="1582653485"/>
+      </p:ext>
+    </p:extLst>
+  </p:cSld>
+  <p:clrMapOvr>
+    <a:masterClrMapping/>
+  </p:clrMapOvr>
+</p:notes>
+</file>
+
+<file path=ppt/notesSlides/notesSlide12.xml><?xml version="1.0" encoding="utf-8"?>
+<p:notes xmlns:a="http://schemas.openxmlformats.org/drawingml/2006/main" xmlns:r="http://schemas.openxmlformats.org/officeDocument/2006/relationships" xmlns:p="http://schemas.openxmlformats.org/presentationml/2006/main">
+  <p:cSld>
+    <p:spTree>
+      <p:nvGrpSpPr>
+        <p:cNvPr id="1" name=""/>
+        <p:cNvGrpSpPr/>
+        <p:nvPr/>
+      </p:nvGrpSpPr>
+      <p:grpSpPr>
+        <a:xfrm>
+          <a:off x="0" y="0"/>
+          <a:ext cx="0" cy="0"/>
+          <a:chOff x="0" y="0"/>
+          <a:chExt cx="0" cy="0"/>
+        </a:xfrm>
+      </p:grpSpPr>
+      <p:sp>
+        <p:nvSpPr>
+          <p:cNvPr id="2" name="スライド イメージ プレースホルダー 1"/>
+          <p:cNvSpPr>
+            <a:spLocks noGrp="1" noRot="1" noChangeAspect="1"/>
+          </p:cNvSpPr>
+          <p:nvPr>
+            <p:ph type="sldImg"/>
+          </p:nvPr>
+        </p:nvSpPr>
+        <p:spPr/>
+      </p:sp>
+      <p:sp>
+        <p:nvSpPr>
+          <p:cNvPr id="3" name="ノート プレースホルダー 2"/>
+          <p:cNvSpPr>
+            <a:spLocks noGrp="1"/>
+          </p:cNvSpPr>
+          <p:nvPr>
+            <p:ph type="body" idx="1"/>
+          </p:nvPr>
+        </p:nvSpPr>
+        <p:spPr/>
+        <p:txBody>
+          <a:bodyPr rtlCol="0"/>
+          <a:lstStyle/>
+          <a:p>
+            <a:pPr rtl="0"/>
+            <a:endParaRPr lang="ja-JP" altLang="en-US">
+              <a:latin typeface="Meiryo UI" panose="020B0604030504040204" pitchFamily="50" charset="-128"/>
+              <a:ea typeface="Meiryo UI" panose="020B0604030504040204" pitchFamily="50" charset="-128"/>
+            </a:endParaRPr>
+          </a:p>
+        </p:txBody>
+      </p:sp>
+      <p:sp>
+        <p:nvSpPr>
+          <p:cNvPr id="4" name="スライド番号プレースホルダー 3"/>
+          <p:cNvSpPr>
+            <a:spLocks noGrp="1"/>
+          </p:cNvSpPr>
+          <p:nvPr>
+            <p:ph type="sldNum" sz="quarter" idx="5"/>
+          </p:nvPr>
+        </p:nvSpPr>
+        <p:spPr/>
+        <p:txBody>
+          <a:bodyPr rtlCol="0"/>
+          <a:lstStyle/>
+          <a:p>
+            <a:pPr rtl="0"/>
+            <a:fld id="{0D0EDF81-139F-488C-872B-4720FBA6BF98}" type="slidenum">
+              <a:rPr lang="en-US" altLang="ja-JP" smtClean="0">
+                <a:latin typeface="Meiryo UI" panose="020B0604030504040204" pitchFamily="50" charset="-128"/>
+                <a:ea typeface="Meiryo UI" panose="020B0604030504040204" pitchFamily="50" charset="-128"/>
+              </a:rPr>
+              <a:t>14</a:t>
+            </a:fld>
+            <a:endParaRPr lang="ja-JP" altLang="en-US">
+              <a:latin typeface="Meiryo UI" panose="020B0604030504040204" pitchFamily="50" charset="-128"/>
+              <a:ea typeface="Meiryo UI" panose="020B0604030504040204" pitchFamily="50" charset="-128"/>
+            </a:endParaRPr>
+          </a:p>
+        </p:txBody>
+      </p:sp>
+    </p:spTree>
+    <p:extLst>
+      <p:ext uri="{BB962C8B-B14F-4D97-AF65-F5344CB8AC3E}">
+        <p14:creationId xmlns:p14="http://schemas.microsoft.com/office/powerpoint/2010/main" val="898018347"/>
+      </p:ext>
+    </p:extLst>
+  </p:cSld>
+  <p:clrMapOvr>
+    <a:masterClrMapping/>
+  </p:clrMapOvr>
+</p:notes>
+</file>
+
+<file path=ppt/notesSlides/notesSlide13.xml><?xml version="1.0" encoding="utf-8"?>
+<p:notes xmlns:a="http://schemas.openxmlformats.org/drawingml/2006/main" xmlns:r="http://schemas.openxmlformats.org/officeDocument/2006/relationships" xmlns:p="http://schemas.openxmlformats.org/presentationml/2006/main">
+  <p:cSld>
+    <p:spTree>
+      <p:nvGrpSpPr>
+        <p:cNvPr id="1" name=""/>
+        <p:cNvGrpSpPr/>
+        <p:nvPr/>
+      </p:nvGrpSpPr>
+      <p:grpSpPr>
+        <a:xfrm>
+          <a:off x="0" y="0"/>
+          <a:ext cx="0" cy="0"/>
+          <a:chOff x="0" y="0"/>
+          <a:chExt cx="0" cy="0"/>
+        </a:xfrm>
+      </p:grpSpPr>
+      <p:sp>
+        <p:nvSpPr>
+          <p:cNvPr id="2" name="スライド イメージ プレースホルダー 1"/>
+          <p:cNvSpPr>
+            <a:spLocks noGrp="1" noRot="1" noChangeAspect="1"/>
+          </p:cNvSpPr>
+          <p:nvPr>
+            <p:ph type="sldImg"/>
+          </p:nvPr>
+        </p:nvSpPr>
+        <p:spPr/>
+      </p:sp>
+      <p:sp>
+        <p:nvSpPr>
+          <p:cNvPr id="3" name="ノート プレースホルダー 2"/>
+          <p:cNvSpPr>
+            <a:spLocks noGrp="1"/>
+          </p:cNvSpPr>
+          <p:nvPr>
+            <p:ph type="body" idx="1"/>
+          </p:nvPr>
+        </p:nvSpPr>
+        <p:spPr/>
+        <p:txBody>
+          <a:bodyPr rtlCol="0"/>
+          <a:lstStyle/>
+          <a:p>
+            <a:pPr rtl="0"/>
+            <a:endParaRPr lang="ja-JP" altLang="en-US">
+              <a:latin typeface="Meiryo UI" panose="020B0604030504040204" pitchFamily="50" charset="-128"/>
+              <a:ea typeface="Meiryo UI" panose="020B0604030504040204" pitchFamily="50" charset="-128"/>
+            </a:endParaRPr>
+          </a:p>
+        </p:txBody>
+      </p:sp>
+      <p:sp>
+        <p:nvSpPr>
+          <p:cNvPr id="4" name="スライド番号プレースホルダー 3"/>
+          <p:cNvSpPr>
+            <a:spLocks noGrp="1"/>
+          </p:cNvSpPr>
+          <p:nvPr>
+            <p:ph type="sldNum" sz="quarter" idx="5"/>
+          </p:nvPr>
+        </p:nvSpPr>
+        <p:spPr/>
+        <p:txBody>
+          <a:bodyPr rtlCol="0"/>
+          <a:lstStyle/>
+          <a:p>
+            <a:pPr rtl="0"/>
+            <a:fld id="{0D0EDF81-139F-488C-872B-4720FBA6BF98}" type="slidenum">
+              <a:rPr lang="en-US" altLang="ja-JP" smtClean="0">
+                <a:latin typeface="Meiryo UI" panose="020B0604030504040204" pitchFamily="50" charset="-128"/>
+                <a:ea typeface="Meiryo UI" panose="020B0604030504040204" pitchFamily="50" charset="-128"/>
+              </a:rPr>
+              <a:t>15</a:t>
+            </a:fld>
+            <a:endParaRPr lang="ja-JP" altLang="en-US">
+              <a:latin typeface="Meiryo UI" panose="020B0604030504040204" pitchFamily="50" charset="-128"/>
+              <a:ea typeface="Meiryo UI" panose="020B0604030504040204" pitchFamily="50" charset="-128"/>
+            </a:endParaRPr>
+          </a:p>
+        </p:txBody>
+      </p:sp>
+    </p:spTree>
+    <p:extLst>
+      <p:ext uri="{BB962C8B-B14F-4D97-AF65-F5344CB8AC3E}">
+        <p14:creationId xmlns:p14="http://schemas.microsoft.com/office/powerpoint/2010/main" val="2708278505"/>
+      </p:ext>
+    </p:extLst>
+  </p:cSld>
+  <p:clrMapOvr>
+    <a:masterClrMapping/>
+  </p:clrMapOvr>
+</p:notes>
+</file>
+
+<file path=ppt/notesSlides/notesSlide14.xml><?xml version="1.0" encoding="utf-8"?>
+<p:notes xmlns:a="http://schemas.openxmlformats.org/drawingml/2006/main" xmlns:r="http://schemas.openxmlformats.org/officeDocument/2006/relationships" xmlns:p="http://schemas.openxmlformats.org/presentationml/2006/main">
+  <p:cSld>
+    <p:spTree>
+      <p:nvGrpSpPr>
+        <p:cNvPr id="1" name=""/>
+        <p:cNvGrpSpPr/>
+        <p:nvPr/>
+      </p:nvGrpSpPr>
+      <p:grpSpPr>
+        <a:xfrm>
+          <a:off x="0" y="0"/>
+          <a:ext cx="0" cy="0"/>
+          <a:chOff x="0" y="0"/>
+          <a:chExt cx="0" cy="0"/>
+        </a:xfrm>
+      </p:grpSpPr>
+      <p:sp>
+        <p:nvSpPr>
+          <p:cNvPr id="2" name="スライド イメージ プレースホルダー 1"/>
+          <p:cNvSpPr>
+            <a:spLocks noGrp="1" noRot="1" noChangeAspect="1"/>
+          </p:cNvSpPr>
+          <p:nvPr>
+            <p:ph type="sldImg"/>
+          </p:nvPr>
+        </p:nvSpPr>
+        <p:spPr/>
+      </p:sp>
+      <p:sp>
+        <p:nvSpPr>
+          <p:cNvPr id="3" name="ノート プレースホルダー 2"/>
+          <p:cNvSpPr>
+            <a:spLocks noGrp="1"/>
+          </p:cNvSpPr>
+          <p:nvPr>
+            <p:ph type="body" idx="1"/>
+          </p:nvPr>
+        </p:nvSpPr>
+        <p:spPr/>
+        <p:txBody>
+          <a:bodyPr rtlCol="0"/>
+          <a:lstStyle/>
+          <a:p>
+            <a:pPr rtl="0"/>
+            <a:endParaRPr lang="ja-JP" altLang="en-US">
+              <a:latin typeface="Meiryo UI" panose="020B0604030504040204" pitchFamily="50" charset="-128"/>
+              <a:ea typeface="Meiryo UI" panose="020B0604030504040204" pitchFamily="50" charset="-128"/>
+            </a:endParaRPr>
+          </a:p>
+        </p:txBody>
+      </p:sp>
+      <p:sp>
+        <p:nvSpPr>
+          <p:cNvPr id="4" name="スライド番号プレースホルダー 3"/>
+          <p:cNvSpPr>
+            <a:spLocks noGrp="1"/>
+          </p:cNvSpPr>
+          <p:nvPr>
+            <p:ph type="sldNum" sz="quarter" idx="5"/>
+          </p:nvPr>
+        </p:nvSpPr>
+        <p:spPr/>
+        <p:txBody>
+          <a:bodyPr rtlCol="0"/>
+          <a:lstStyle/>
+          <a:p>
+            <a:pPr rtl="0"/>
+            <a:fld id="{0D0EDF81-139F-488C-872B-4720FBA6BF98}" type="slidenum">
+              <a:rPr lang="en-US" altLang="ja-JP" smtClean="0">
+                <a:latin typeface="Meiryo UI" panose="020B0604030504040204" pitchFamily="50" charset="-128"/>
+                <a:ea typeface="Meiryo UI" panose="020B0604030504040204" pitchFamily="50" charset="-128"/>
+              </a:rPr>
+              <a:t>16</a:t>
+            </a:fld>
+            <a:endParaRPr lang="ja-JP" altLang="en-US">
+              <a:latin typeface="Meiryo UI" panose="020B0604030504040204" pitchFamily="50" charset="-128"/>
+              <a:ea typeface="Meiryo UI" panose="020B0604030504040204" pitchFamily="50" charset="-128"/>
+            </a:endParaRPr>
+          </a:p>
+        </p:txBody>
+      </p:sp>
+    </p:spTree>
+    <p:extLst>
+      <p:ext uri="{BB962C8B-B14F-4D97-AF65-F5344CB8AC3E}">
+        <p14:creationId xmlns:p14="http://schemas.microsoft.com/office/powerpoint/2010/main" val="869085764"/>
+      </p:ext>
+    </p:extLst>
+  </p:cSld>
+  <p:clrMapOvr>
+    <a:masterClrMapping/>
+  </p:clrMapOvr>
+</p:notes>
+</file>
+
+<file path=ppt/notesSlides/notesSlide15.xml><?xml version="1.0" encoding="utf-8"?>
+<p:notes xmlns:a="http://schemas.openxmlformats.org/drawingml/2006/main" xmlns:r="http://schemas.openxmlformats.org/officeDocument/2006/relationships" xmlns:p="http://schemas.openxmlformats.org/presentationml/2006/main">
+  <p:cSld>
+    <p:spTree>
+      <p:nvGrpSpPr>
+        <p:cNvPr id="1" name=""/>
+        <p:cNvGrpSpPr/>
+        <p:nvPr/>
+      </p:nvGrpSpPr>
+      <p:grpSpPr>
+        <a:xfrm>
+          <a:off x="0" y="0"/>
+          <a:ext cx="0" cy="0"/>
+          <a:chOff x="0" y="0"/>
+          <a:chExt cx="0" cy="0"/>
+        </a:xfrm>
+      </p:grpSpPr>
+      <p:sp>
+        <p:nvSpPr>
+          <p:cNvPr id="2" name="スライド イメージ プレースホルダー 1"/>
+          <p:cNvSpPr>
+            <a:spLocks noGrp="1" noRot="1" noChangeAspect="1"/>
+          </p:cNvSpPr>
+          <p:nvPr>
+            <p:ph type="sldImg"/>
+          </p:nvPr>
+        </p:nvSpPr>
+        <p:spPr/>
+      </p:sp>
+      <p:sp>
+        <p:nvSpPr>
+          <p:cNvPr id="3" name="ノート プレースホルダー 2"/>
+          <p:cNvSpPr>
+            <a:spLocks noGrp="1"/>
+          </p:cNvSpPr>
+          <p:nvPr>
+            <p:ph type="body" idx="1"/>
+          </p:nvPr>
+        </p:nvSpPr>
+        <p:spPr/>
+        <p:txBody>
+          <a:bodyPr rtlCol="0"/>
+          <a:lstStyle/>
+          <a:p>
+            <a:pPr rtl="0"/>
+            <a:endParaRPr lang="ja-JP" altLang="en-US">
+              <a:latin typeface="Meiryo UI" panose="020B0604030504040204" pitchFamily="50" charset="-128"/>
+              <a:ea typeface="Meiryo UI" panose="020B0604030504040204" pitchFamily="50" charset="-128"/>
+            </a:endParaRPr>
+          </a:p>
+        </p:txBody>
+      </p:sp>
+      <p:sp>
+        <p:nvSpPr>
+          <p:cNvPr id="4" name="スライド番号プレースホルダー 3"/>
+          <p:cNvSpPr>
+            <a:spLocks noGrp="1"/>
+          </p:cNvSpPr>
+          <p:nvPr>
+            <p:ph type="sldNum" sz="quarter" idx="5"/>
+          </p:nvPr>
+        </p:nvSpPr>
+        <p:spPr/>
+        <p:txBody>
+          <a:bodyPr rtlCol="0"/>
+          <a:lstStyle/>
+          <a:p>
+            <a:pPr rtl="0"/>
+            <a:fld id="{0D0EDF81-139F-488C-872B-4720FBA6BF98}" type="slidenum">
+              <a:rPr lang="en-US" altLang="ja-JP" smtClean="0">
+                <a:latin typeface="Meiryo UI" panose="020B0604030504040204" pitchFamily="50" charset="-128"/>
+                <a:ea typeface="Meiryo UI" panose="020B0604030504040204" pitchFamily="50" charset="-128"/>
+              </a:rPr>
+              <a:t>17</a:t>
+            </a:fld>
+            <a:endParaRPr lang="ja-JP" altLang="en-US">
+              <a:latin typeface="Meiryo UI" panose="020B0604030504040204" pitchFamily="50" charset="-128"/>
+              <a:ea typeface="Meiryo UI" panose="020B0604030504040204" pitchFamily="50" charset="-128"/>
+            </a:endParaRPr>
+          </a:p>
+        </p:txBody>
+      </p:sp>
+    </p:spTree>
+    <p:extLst>
+      <p:ext uri="{BB962C8B-B14F-4D97-AF65-F5344CB8AC3E}">
+        <p14:creationId xmlns:p14="http://schemas.microsoft.com/office/powerpoint/2010/main" val="1005966682"/>
+      </p:ext>
+    </p:extLst>
+  </p:cSld>
+  <p:clrMapOvr>
+    <a:masterClrMapping/>
+  </p:clrMapOvr>
+</p:notes>
+</file>
+
+<file path=ppt/notesSlides/notesSlide16.xml><?xml version="1.0" encoding="utf-8"?>
+<p:notes xmlns:a="http://schemas.openxmlformats.org/drawingml/2006/main" xmlns:r="http://schemas.openxmlformats.org/officeDocument/2006/relationships" xmlns:p="http://schemas.openxmlformats.org/presentationml/2006/main">
+  <p:cSld>
+    <p:spTree>
+      <p:nvGrpSpPr>
+        <p:cNvPr id="1" name=""/>
+        <p:cNvGrpSpPr/>
+        <p:nvPr/>
+      </p:nvGrpSpPr>
+      <p:grpSpPr>
+        <a:xfrm>
+          <a:off x="0" y="0"/>
+          <a:ext cx="0" cy="0"/>
+          <a:chOff x="0" y="0"/>
+          <a:chExt cx="0" cy="0"/>
+        </a:xfrm>
+      </p:grpSpPr>
+      <p:sp>
+        <p:nvSpPr>
+          <p:cNvPr id="2" name="スライド イメージ プレースホルダー 1"/>
+          <p:cNvSpPr>
+            <a:spLocks noGrp="1" noRot="1" noChangeAspect="1"/>
+          </p:cNvSpPr>
+          <p:nvPr>
+            <p:ph type="sldImg"/>
+          </p:nvPr>
+        </p:nvSpPr>
+        <p:spPr/>
+      </p:sp>
+      <p:sp>
+        <p:nvSpPr>
+          <p:cNvPr id="3" name="ノート プレースホルダー 2"/>
+          <p:cNvSpPr>
+            <a:spLocks noGrp="1"/>
+          </p:cNvSpPr>
+          <p:nvPr>
+            <p:ph type="body" idx="1"/>
+          </p:nvPr>
+        </p:nvSpPr>
+        <p:spPr/>
+        <p:txBody>
+          <a:bodyPr rtlCol="0"/>
+          <a:lstStyle/>
+          <a:p>
+            <a:pPr rtl="0"/>
+            <a:endParaRPr lang="ja-JP" altLang="en-US">
+              <a:latin typeface="Meiryo UI" panose="020B0604030504040204" pitchFamily="50" charset="-128"/>
+              <a:ea typeface="Meiryo UI" panose="020B0604030504040204" pitchFamily="50" charset="-128"/>
+            </a:endParaRPr>
+          </a:p>
+        </p:txBody>
+      </p:sp>
+      <p:sp>
+        <p:nvSpPr>
+          <p:cNvPr id="4" name="スライド番号プレースホルダー 3"/>
+          <p:cNvSpPr>
+            <a:spLocks noGrp="1"/>
+          </p:cNvSpPr>
+          <p:nvPr>
+            <p:ph type="sldNum" sz="quarter" idx="5"/>
+          </p:nvPr>
+        </p:nvSpPr>
+        <p:spPr/>
+        <p:txBody>
+          <a:bodyPr rtlCol="0"/>
+          <a:lstStyle/>
+          <a:p>
+            <a:pPr rtl="0"/>
+            <a:fld id="{0D0EDF81-139F-488C-872B-4720FBA6BF98}" type="slidenum">
+              <a:rPr lang="en-US" altLang="ja-JP" smtClean="0">
+                <a:latin typeface="Meiryo UI" panose="020B0604030504040204" pitchFamily="50" charset="-128"/>
+                <a:ea typeface="Meiryo UI" panose="020B0604030504040204" pitchFamily="50" charset="-128"/>
+              </a:rPr>
+              <a:t>18</a:t>
+            </a:fld>
+            <a:endParaRPr lang="ja-JP" altLang="en-US">
+              <a:latin typeface="Meiryo UI" panose="020B0604030504040204" pitchFamily="50" charset="-128"/>
+              <a:ea typeface="Meiryo UI" panose="020B0604030504040204" pitchFamily="50" charset="-128"/>
+            </a:endParaRPr>
+          </a:p>
+        </p:txBody>
+      </p:sp>
+    </p:spTree>
+    <p:extLst>
+      <p:ext uri="{BB962C8B-B14F-4D97-AF65-F5344CB8AC3E}">
+        <p14:creationId xmlns:p14="http://schemas.microsoft.com/office/powerpoint/2010/main" val="4032508994"/>
+      </p:ext>
+    </p:extLst>
+  </p:cSld>
+  <p:clrMapOvr>
+    <a:masterClrMapping/>
+  </p:clrMapOvr>
+</p:notes>
+</file>
+
+<file path=ppt/notesSlides/notesSlide17.xml><?xml version="1.0" encoding="utf-8"?>
+<p:notes xmlns:a="http://schemas.openxmlformats.org/drawingml/2006/main" xmlns:r="http://schemas.openxmlformats.org/officeDocument/2006/relationships" xmlns:p="http://schemas.openxmlformats.org/presentationml/2006/main">
+  <p:cSld>
+    <p:spTree>
+      <p:nvGrpSpPr>
+        <p:cNvPr id="1" name=""/>
+        <p:cNvGrpSpPr/>
+        <p:nvPr/>
+      </p:nvGrpSpPr>
+      <p:grpSpPr>
+        <a:xfrm>
+          <a:off x="0" y="0"/>
+          <a:ext cx="0" cy="0"/>
+          <a:chOff x="0" y="0"/>
+          <a:chExt cx="0" cy="0"/>
+        </a:xfrm>
+      </p:grpSpPr>
+      <p:sp>
+        <p:nvSpPr>
+          <p:cNvPr id="2" name="スライド イメージ プレースホルダー 1"/>
+          <p:cNvSpPr>
+            <a:spLocks noGrp="1" noRot="1" noChangeAspect="1"/>
+          </p:cNvSpPr>
+          <p:nvPr>
+            <p:ph type="sldImg"/>
+          </p:nvPr>
+        </p:nvSpPr>
+        <p:spPr/>
+      </p:sp>
+      <p:sp>
+        <p:nvSpPr>
+          <p:cNvPr id="3" name="ノート プレースホルダー 2"/>
+          <p:cNvSpPr>
+            <a:spLocks noGrp="1"/>
+          </p:cNvSpPr>
+          <p:nvPr>
+            <p:ph type="body" idx="1"/>
+          </p:nvPr>
+        </p:nvSpPr>
+        <p:spPr/>
+        <p:txBody>
+          <a:bodyPr rtlCol="0"/>
+          <a:lstStyle/>
+          <a:p>
+            <a:pPr rtl="0"/>
+            <a:endParaRPr lang="ja-JP" altLang="en-US">
+              <a:latin typeface="Meiryo UI" panose="020B0604030504040204" pitchFamily="50" charset="-128"/>
+              <a:ea typeface="Meiryo UI" panose="020B0604030504040204" pitchFamily="50" charset="-128"/>
+            </a:endParaRPr>
+          </a:p>
+        </p:txBody>
+      </p:sp>
+      <p:sp>
+        <p:nvSpPr>
+          <p:cNvPr id="4" name="スライド番号プレースホルダー 3"/>
+          <p:cNvSpPr>
+            <a:spLocks noGrp="1"/>
+          </p:cNvSpPr>
+          <p:nvPr>
+            <p:ph type="sldNum" sz="quarter" idx="5"/>
+          </p:nvPr>
+        </p:nvSpPr>
+        <p:spPr/>
+        <p:txBody>
+          <a:bodyPr rtlCol="0"/>
+          <a:lstStyle/>
+          <a:p>
+            <a:pPr rtl="0"/>
+            <a:fld id="{0D0EDF81-139F-488C-872B-4720FBA6BF98}" type="slidenum">
+              <a:rPr lang="en-US" altLang="ja-JP" smtClean="0">
+                <a:latin typeface="Meiryo UI" panose="020B0604030504040204" pitchFamily="50" charset="-128"/>
+                <a:ea typeface="Meiryo UI" panose="020B0604030504040204" pitchFamily="50" charset="-128"/>
+              </a:rPr>
+              <a:t>19</a:t>
+            </a:fld>
+            <a:endParaRPr lang="ja-JP" altLang="en-US">
+              <a:latin typeface="Meiryo UI" panose="020B0604030504040204" pitchFamily="50" charset="-128"/>
+              <a:ea typeface="Meiryo UI" panose="020B0604030504040204" pitchFamily="50" charset="-128"/>
+            </a:endParaRPr>
+          </a:p>
+        </p:txBody>
+      </p:sp>
+    </p:spTree>
+    <p:extLst>
+      <p:ext uri="{BB962C8B-B14F-4D97-AF65-F5344CB8AC3E}">
+        <p14:creationId xmlns:p14="http://schemas.microsoft.com/office/powerpoint/2010/main" val="1065192328"/>
+      </p:ext>
+    </p:extLst>
+  </p:cSld>
+  <p:clrMapOvr>
+    <a:masterClrMapping/>
+  </p:clrMapOvr>
+</p:notes>
+</file>
+
+<file path=ppt/notesSlides/notesSlide18.xml><?xml version="1.0" encoding="utf-8"?>
+<p:notes xmlns:a="http://schemas.openxmlformats.org/drawingml/2006/main" xmlns:r="http://schemas.openxmlformats.org/officeDocument/2006/relationships" xmlns:p="http://schemas.openxmlformats.org/presentationml/2006/main">
+  <p:cSld>
+    <p:spTree>
+      <p:nvGrpSpPr>
+        <p:cNvPr id="1" name=""/>
+        <p:cNvGrpSpPr/>
+        <p:nvPr/>
+      </p:nvGrpSpPr>
+      <p:grpSpPr>
+        <a:xfrm>
+          <a:off x="0" y="0"/>
+          <a:ext cx="0" cy="0"/>
+          <a:chOff x="0" y="0"/>
+          <a:chExt cx="0" cy="0"/>
+        </a:xfrm>
+      </p:grpSpPr>
+      <p:sp>
+        <p:nvSpPr>
+          <p:cNvPr id="2" name="スライド イメージ プレースホルダー 1"/>
+          <p:cNvSpPr>
+            <a:spLocks noGrp="1" noRot="1" noChangeAspect="1"/>
+          </p:cNvSpPr>
+          <p:nvPr>
+            <p:ph type="sldImg"/>
+          </p:nvPr>
+        </p:nvSpPr>
+        <p:spPr/>
+      </p:sp>
+      <p:sp>
+        <p:nvSpPr>
+          <p:cNvPr id="3" name="ノート プレースホルダー 2"/>
+          <p:cNvSpPr>
+            <a:spLocks noGrp="1"/>
+          </p:cNvSpPr>
+          <p:nvPr>
+            <p:ph type="body" idx="1"/>
+          </p:nvPr>
+        </p:nvSpPr>
+        <p:spPr/>
+        <p:txBody>
+          <a:bodyPr rtlCol="0"/>
+          <a:lstStyle/>
+          <a:p>
+            <a:pPr rtl="0"/>
+            <a:endParaRPr lang="ja-JP" altLang="en-US">
+              <a:latin typeface="Meiryo UI" panose="020B0604030504040204" pitchFamily="50" charset="-128"/>
+              <a:ea typeface="Meiryo UI" panose="020B0604030504040204" pitchFamily="50" charset="-128"/>
+            </a:endParaRPr>
+          </a:p>
+        </p:txBody>
+      </p:sp>
+      <p:sp>
+        <p:nvSpPr>
+          <p:cNvPr id="4" name="スライド番号プレースホルダー 3"/>
+          <p:cNvSpPr>
+            <a:spLocks noGrp="1"/>
+          </p:cNvSpPr>
+          <p:nvPr>
+            <p:ph type="sldNum" sz="quarter" idx="5"/>
+          </p:nvPr>
+        </p:nvSpPr>
+        <p:spPr/>
+        <p:txBody>
+          <a:bodyPr rtlCol="0"/>
+          <a:lstStyle/>
+          <a:p>
+            <a:pPr rtl="0"/>
+            <a:fld id="{0D0EDF81-139F-488C-872B-4720FBA6BF98}" type="slidenum">
+              <a:rPr lang="en-US" altLang="ja-JP" smtClean="0">
+                <a:latin typeface="Meiryo UI" panose="020B0604030504040204" pitchFamily="50" charset="-128"/>
+                <a:ea typeface="Meiryo UI" panose="020B0604030504040204" pitchFamily="50" charset="-128"/>
+              </a:rPr>
+              <a:t>20</a:t>
+            </a:fld>
+            <a:endParaRPr lang="ja-JP" altLang="en-US">
+              <a:latin typeface="Meiryo UI" panose="020B0604030504040204" pitchFamily="50" charset="-128"/>
+              <a:ea typeface="Meiryo UI" panose="020B0604030504040204" pitchFamily="50" charset="-128"/>
+            </a:endParaRPr>
+          </a:p>
+        </p:txBody>
+      </p:sp>
+    </p:spTree>
+    <p:extLst>
+      <p:ext uri="{BB962C8B-B14F-4D97-AF65-F5344CB8AC3E}">
+        <p14:creationId xmlns:p14="http://schemas.microsoft.com/office/powerpoint/2010/main" val="1270698985"/>
+      </p:ext>
+    </p:extLst>
+  </p:cSld>
+  <p:clrMapOvr>
+    <a:masterClrMapping/>
+  </p:clrMapOvr>
+</p:notes>
+</file>
+
+<file path=ppt/notesSlides/notesSlide19.xml><?xml version="1.0" encoding="utf-8"?>
+<p:notes xmlns:a="http://schemas.openxmlformats.org/drawingml/2006/main" xmlns:r="http://schemas.openxmlformats.org/officeDocument/2006/relationships" xmlns:p="http://schemas.openxmlformats.org/presentationml/2006/main">
+  <p:cSld>
+    <p:spTree>
+      <p:nvGrpSpPr>
+        <p:cNvPr id="1" name=""/>
+        <p:cNvGrpSpPr/>
+        <p:nvPr/>
+      </p:nvGrpSpPr>
+      <p:grpSpPr>
+        <a:xfrm>
+          <a:off x="0" y="0"/>
+          <a:ext cx="0" cy="0"/>
+          <a:chOff x="0" y="0"/>
+          <a:chExt cx="0" cy="0"/>
+        </a:xfrm>
+      </p:grpSpPr>
+      <p:sp>
+        <p:nvSpPr>
+          <p:cNvPr id="2" name="スライド イメージ プレースホルダー 1"/>
+          <p:cNvSpPr>
+            <a:spLocks noGrp="1" noRot="1" noChangeAspect="1"/>
+          </p:cNvSpPr>
+          <p:nvPr>
+            <p:ph type="sldImg"/>
+          </p:nvPr>
+        </p:nvSpPr>
+        <p:spPr/>
+      </p:sp>
+      <p:sp>
+        <p:nvSpPr>
+          <p:cNvPr id="3" name="ノート プレースホルダー 2"/>
+          <p:cNvSpPr>
+            <a:spLocks noGrp="1"/>
+          </p:cNvSpPr>
+          <p:nvPr>
+            <p:ph type="body" idx="1"/>
+          </p:nvPr>
+        </p:nvSpPr>
+        <p:spPr/>
+        <p:txBody>
+          <a:bodyPr rtlCol="0"/>
+          <a:lstStyle/>
+          <a:p>
+            <a:pPr rtl="0"/>
+            <a:endParaRPr lang="ja-JP" altLang="en-US">
+              <a:latin typeface="Meiryo UI" panose="020B0604030504040204" pitchFamily="50" charset="-128"/>
+              <a:ea typeface="Meiryo UI" panose="020B0604030504040204" pitchFamily="50" charset="-128"/>
+            </a:endParaRPr>
+          </a:p>
+        </p:txBody>
+      </p:sp>
+      <p:sp>
+        <p:nvSpPr>
+          <p:cNvPr id="4" name="スライド番号プレースホルダー 3"/>
+          <p:cNvSpPr>
+            <a:spLocks noGrp="1"/>
+          </p:cNvSpPr>
+          <p:nvPr>
+            <p:ph type="sldNum" sz="quarter" idx="5"/>
+          </p:nvPr>
+        </p:nvSpPr>
+        <p:spPr/>
+        <p:txBody>
+          <a:bodyPr rtlCol="0"/>
+          <a:lstStyle/>
+          <a:p>
+            <a:pPr rtl="0"/>
+            <a:fld id="{0D0EDF81-139F-488C-872B-4720FBA6BF98}" type="slidenum">
+              <a:rPr lang="en-US" altLang="ja-JP" smtClean="0">
+                <a:latin typeface="Meiryo UI" panose="020B0604030504040204" pitchFamily="50" charset="-128"/>
+                <a:ea typeface="Meiryo UI" panose="020B0604030504040204" pitchFamily="50" charset="-128"/>
+              </a:rPr>
+              <a:t>21</a:t>
+            </a:fld>
+            <a:endParaRPr lang="ja-JP" altLang="en-US">
+              <a:latin typeface="Meiryo UI" panose="020B0604030504040204" pitchFamily="50" charset="-128"/>
+              <a:ea typeface="Meiryo UI" panose="020B0604030504040204" pitchFamily="50" charset="-128"/>
+            </a:endParaRPr>
+          </a:p>
+        </p:txBody>
+      </p:sp>
+    </p:spTree>
+    <p:extLst>
+      <p:ext uri="{BB962C8B-B14F-4D97-AF65-F5344CB8AC3E}">
+        <p14:creationId xmlns:p14="http://schemas.microsoft.com/office/powerpoint/2010/main" val="2703989344"/>
+      </p:ext>
+    </p:extLst>
+  </p:cSld>
+  <p:clrMapOvr>
+    <a:masterClrMapping/>
+  </p:clrMapOvr>
+</p:notes>
+</file>
+
 <file path=ppt/notesSlides/notesSlide2.xml><?xml version="1.0" encoding="utf-8"?>
 <p:notes xmlns:a="http://schemas.openxmlformats.org/drawingml/2006/main" xmlns:r="http://schemas.openxmlformats.org/officeDocument/2006/relationships" xmlns:p="http://schemas.openxmlformats.org/presentationml/2006/main">
   <p:cSld>
@@ -5335,6 +6669,291 @@
     <p:extLst>
       <p:ext uri="{BB962C8B-B14F-4D97-AF65-F5344CB8AC3E}">
         <p14:creationId xmlns:p14="http://schemas.microsoft.com/office/powerpoint/2010/main" val="3375987851"/>
+      </p:ext>
+    </p:extLst>
+  </p:cSld>
+  <p:clrMapOvr>
+    <a:masterClrMapping/>
+  </p:clrMapOvr>
+</p:notes>
+</file>
+
+<file path=ppt/notesSlides/notesSlide20.xml><?xml version="1.0" encoding="utf-8"?>
+<p:notes xmlns:a="http://schemas.openxmlformats.org/drawingml/2006/main" xmlns:r="http://schemas.openxmlformats.org/officeDocument/2006/relationships" xmlns:p="http://schemas.openxmlformats.org/presentationml/2006/main">
+  <p:cSld>
+    <p:spTree>
+      <p:nvGrpSpPr>
+        <p:cNvPr id="1" name=""/>
+        <p:cNvGrpSpPr/>
+        <p:nvPr/>
+      </p:nvGrpSpPr>
+      <p:grpSpPr>
+        <a:xfrm>
+          <a:off x="0" y="0"/>
+          <a:ext cx="0" cy="0"/>
+          <a:chOff x="0" y="0"/>
+          <a:chExt cx="0" cy="0"/>
+        </a:xfrm>
+      </p:grpSpPr>
+      <p:sp>
+        <p:nvSpPr>
+          <p:cNvPr id="2" name="スライド イメージ プレースホルダー 1"/>
+          <p:cNvSpPr>
+            <a:spLocks noGrp="1" noRot="1" noChangeAspect="1"/>
+          </p:cNvSpPr>
+          <p:nvPr>
+            <p:ph type="sldImg"/>
+          </p:nvPr>
+        </p:nvSpPr>
+        <p:spPr/>
+      </p:sp>
+      <p:sp>
+        <p:nvSpPr>
+          <p:cNvPr id="3" name="ノート プレースホルダー 2"/>
+          <p:cNvSpPr>
+            <a:spLocks noGrp="1"/>
+          </p:cNvSpPr>
+          <p:nvPr>
+            <p:ph type="body" idx="1"/>
+          </p:nvPr>
+        </p:nvSpPr>
+        <p:spPr/>
+        <p:txBody>
+          <a:bodyPr rtlCol="0"/>
+          <a:lstStyle/>
+          <a:p>
+            <a:pPr rtl="0"/>
+            <a:endParaRPr lang="ja-JP" altLang="en-US">
+              <a:latin typeface="Meiryo UI" panose="020B0604030504040204" pitchFamily="50" charset="-128"/>
+              <a:ea typeface="Meiryo UI" panose="020B0604030504040204" pitchFamily="50" charset="-128"/>
+            </a:endParaRPr>
+          </a:p>
+        </p:txBody>
+      </p:sp>
+      <p:sp>
+        <p:nvSpPr>
+          <p:cNvPr id="4" name="スライド番号プレースホルダー 3"/>
+          <p:cNvSpPr>
+            <a:spLocks noGrp="1"/>
+          </p:cNvSpPr>
+          <p:nvPr>
+            <p:ph type="sldNum" sz="quarter" idx="5"/>
+          </p:nvPr>
+        </p:nvSpPr>
+        <p:spPr/>
+        <p:txBody>
+          <a:bodyPr rtlCol="0"/>
+          <a:lstStyle/>
+          <a:p>
+            <a:pPr rtl="0"/>
+            <a:fld id="{0D0EDF81-139F-488C-872B-4720FBA6BF98}" type="slidenum">
+              <a:rPr lang="en-US" altLang="ja-JP" smtClean="0">
+                <a:latin typeface="Meiryo UI" panose="020B0604030504040204" pitchFamily="50" charset="-128"/>
+                <a:ea typeface="Meiryo UI" panose="020B0604030504040204" pitchFamily="50" charset="-128"/>
+              </a:rPr>
+              <a:t>22</a:t>
+            </a:fld>
+            <a:endParaRPr lang="ja-JP" altLang="en-US">
+              <a:latin typeface="Meiryo UI" panose="020B0604030504040204" pitchFamily="50" charset="-128"/>
+              <a:ea typeface="Meiryo UI" panose="020B0604030504040204" pitchFamily="50" charset="-128"/>
+            </a:endParaRPr>
+          </a:p>
+        </p:txBody>
+      </p:sp>
+    </p:spTree>
+    <p:extLst>
+      <p:ext uri="{BB962C8B-B14F-4D97-AF65-F5344CB8AC3E}">
+        <p14:creationId xmlns:p14="http://schemas.microsoft.com/office/powerpoint/2010/main" val="2361487811"/>
+      </p:ext>
+    </p:extLst>
+  </p:cSld>
+  <p:clrMapOvr>
+    <a:masterClrMapping/>
+  </p:clrMapOvr>
+</p:notes>
+</file>
+
+<file path=ppt/notesSlides/notesSlide21.xml><?xml version="1.0" encoding="utf-8"?>
+<p:notes xmlns:a="http://schemas.openxmlformats.org/drawingml/2006/main" xmlns:r="http://schemas.openxmlformats.org/officeDocument/2006/relationships" xmlns:p="http://schemas.openxmlformats.org/presentationml/2006/main">
+  <p:cSld>
+    <p:spTree>
+      <p:nvGrpSpPr>
+        <p:cNvPr id="1" name=""/>
+        <p:cNvGrpSpPr/>
+        <p:nvPr/>
+      </p:nvGrpSpPr>
+      <p:grpSpPr>
+        <a:xfrm>
+          <a:off x="0" y="0"/>
+          <a:ext cx="0" cy="0"/>
+          <a:chOff x="0" y="0"/>
+          <a:chExt cx="0" cy="0"/>
+        </a:xfrm>
+      </p:grpSpPr>
+      <p:sp>
+        <p:nvSpPr>
+          <p:cNvPr id="2" name="スライド イメージ プレースホルダー 1"/>
+          <p:cNvSpPr>
+            <a:spLocks noGrp="1" noRot="1" noChangeAspect="1"/>
+          </p:cNvSpPr>
+          <p:nvPr>
+            <p:ph type="sldImg"/>
+          </p:nvPr>
+        </p:nvSpPr>
+        <p:spPr/>
+      </p:sp>
+      <p:sp>
+        <p:nvSpPr>
+          <p:cNvPr id="3" name="ノート プレースホルダー 2"/>
+          <p:cNvSpPr>
+            <a:spLocks noGrp="1"/>
+          </p:cNvSpPr>
+          <p:nvPr>
+            <p:ph type="body" idx="1"/>
+          </p:nvPr>
+        </p:nvSpPr>
+        <p:spPr/>
+        <p:txBody>
+          <a:bodyPr rtlCol="0"/>
+          <a:lstStyle/>
+          <a:p>
+            <a:pPr rtl="0"/>
+            <a:endParaRPr lang="ja-JP" altLang="en-US">
+              <a:latin typeface="Meiryo UI" panose="020B0604030504040204" pitchFamily="50" charset="-128"/>
+              <a:ea typeface="Meiryo UI" panose="020B0604030504040204" pitchFamily="50" charset="-128"/>
+            </a:endParaRPr>
+          </a:p>
+        </p:txBody>
+      </p:sp>
+      <p:sp>
+        <p:nvSpPr>
+          <p:cNvPr id="4" name="スライド番号プレースホルダー 3"/>
+          <p:cNvSpPr>
+            <a:spLocks noGrp="1"/>
+          </p:cNvSpPr>
+          <p:nvPr>
+            <p:ph type="sldNum" sz="quarter" idx="5"/>
+          </p:nvPr>
+        </p:nvSpPr>
+        <p:spPr/>
+        <p:txBody>
+          <a:bodyPr rtlCol="0"/>
+          <a:lstStyle/>
+          <a:p>
+            <a:pPr rtl="0"/>
+            <a:fld id="{0D0EDF81-139F-488C-872B-4720FBA6BF98}" type="slidenum">
+              <a:rPr lang="en-US" altLang="ja-JP" smtClean="0">
+                <a:latin typeface="Meiryo UI" panose="020B0604030504040204" pitchFamily="50" charset="-128"/>
+                <a:ea typeface="Meiryo UI" panose="020B0604030504040204" pitchFamily="50" charset="-128"/>
+              </a:rPr>
+              <a:t>23</a:t>
+            </a:fld>
+            <a:endParaRPr lang="ja-JP" altLang="en-US">
+              <a:latin typeface="Meiryo UI" panose="020B0604030504040204" pitchFamily="50" charset="-128"/>
+              <a:ea typeface="Meiryo UI" panose="020B0604030504040204" pitchFamily="50" charset="-128"/>
+            </a:endParaRPr>
+          </a:p>
+        </p:txBody>
+      </p:sp>
+    </p:spTree>
+    <p:extLst>
+      <p:ext uri="{BB962C8B-B14F-4D97-AF65-F5344CB8AC3E}">
+        <p14:creationId xmlns:p14="http://schemas.microsoft.com/office/powerpoint/2010/main" val="2679275258"/>
+      </p:ext>
+    </p:extLst>
+  </p:cSld>
+  <p:clrMapOvr>
+    <a:masterClrMapping/>
+  </p:clrMapOvr>
+</p:notes>
+</file>
+
+<file path=ppt/notesSlides/notesSlide22.xml><?xml version="1.0" encoding="utf-8"?>
+<p:notes xmlns:a="http://schemas.openxmlformats.org/drawingml/2006/main" xmlns:r="http://schemas.openxmlformats.org/officeDocument/2006/relationships" xmlns:p="http://schemas.openxmlformats.org/presentationml/2006/main">
+  <p:cSld>
+    <p:spTree>
+      <p:nvGrpSpPr>
+        <p:cNvPr id="1" name=""/>
+        <p:cNvGrpSpPr/>
+        <p:nvPr/>
+      </p:nvGrpSpPr>
+      <p:grpSpPr>
+        <a:xfrm>
+          <a:off x="0" y="0"/>
+          <a:ext cx="0" cy="0"/>
+          <a:chOff x="0" y="0"/>
+          <a:chExt cx="0" cy="0"/>
+        </a:xfrm>
+      </p:grpSpPr>
+      <p:sp>
+        <p:nvSpPr>
+          <p:cNvPr id="2" name="スライド イメージ プレースホルダー 1"/>
+          <p:cNvSpPr>
+            <a:spLocks noGrp="1" noRot="1" noChangeAspect="1"/>
+          </p:cNvSpPr>
+          <p:nvPr>
+            <p:ph type="sldImg"/>
+          </p:nvPr>
+        </p:nvSpPr>
+        <p:spPr/>
+      </p:sp>
+      <p:sp>
+        <p:nvSpPr>
+          <p:cNvPr id="3" name="ノート プレースホルダー 2"/>
+          <p:cNvSpPr>
+            <a:spLocks noGrp="1"/>
+          </p:cNvSpPr>
+          <p:nvPr>
+            <p:ph type="body" idx="1"/>
+          </p:nvPr>
+        </p:nvSpPr>
+        <p:spPr/>
+        <p:txBody>
+          <a:bodyPr rtlCol="0"/>
+          <a:lstStyle/>
+          <a:p>
+            <a:pPr rtl="0"/>
+            <a:endParaRPr lang="ja-JP" altLang="en-US">
+              <a:latin typeface="Meiryo UI" panose="020B0604030504040204" pitchFamily="50" charset="-128"/>
+              <a:ea typeface="Meiryo UI" panose="020B0604030504040204" pitchFamily="50" charset="-128"/>
+            </a:endParaRPr>
+          </a:p>
+        </p:txBody>
+      </p:sp>
+      <p:sp>
+        <p:nvSpPr>
+          <p:cNvPr id="4" name="スライド番号プレースホルダー 3"/>
+          <p:cNvSpPr>
+            <a:spLocks noGrp="1"/>
+          </p:cNvSpPr>
+          <p:nvPr>
+            <p:ph type="sldNum" sz="quarter" idx="5"/>
+          </p:nvPr>
+        </p:nvSpPr>
+        <p:spPr/>
+        <p:txBody>
+          <a:bodyPr rtlCol="0"/>
+          <a:lstStyle/>
+          <a:p>
+            <a:pPr rtl="0"/>
+            <a:fld id="{0D0EDF81-139F-488C-872B-4720FBA6BF98}" type="slidenum">
+              <a:rPr lang="en-US" altLang="ja-JP" smtClean="0">
+                <a:latin typeface="Meiryo UI" panose="020B0604030504040204" pitchFamily="50" charset="-128"/>
+                <a:ea typeface="Meiryo UI" panose="020B0604030504040204" pitchFamily="50" charset="-128"/>
+              </a:rPr>
+              <a:t>24</a:t>
+            </a:fld>
+            <a:endParaRPr lang="ja-JP" altLang="en-US">
+              <a:latin typeface="Meiryo UI" panose="020B0604030504040204" pitchFamily="50" charset="-128"/>
+              <a:ea typeface="Meiryo UI" panose="020B0604030504040204" pitchFamily="50" charset="-128"/>
+            </a:endParaRPr>
+          </a:p>
+        </p:txBody>
+      </p:sp>
+    </p:spTree>
+    <p:extLst>
+      <p:ext uri="{BB962C8B-B14F-4D97-AF65-F5344CB8AC3E}">
+        <p14:creationId xmlns:p14="http://schemas.microsoft.com/office/powerpoint/2010/main" val="3369889421"/>
       </p:ext>
     </p:extLst>
   </p:cSld>
@@ -5905,6 +7524,101 @@
     <p:extLst>
       <p:ext uri="{BB962C8B-B14F-4D97-AF65-F5344CB8AC3E}">
         <p14:creationId xmlns:p14="http://schemas.microsoft.com/office/powerpoint/2010/main" val="298061188"/>
+      </p:ext>
+    </p:extLst>
+  </p:cSld>
+  <p:clrMapOvr>
+    <a:masterClrMapping/>
+  </p:clrMapOvr>
+</p:notes>
+</file>
+
+<file path=ppt/notesSlides/notesSlide9.xml><?xml version="1.0" encoding="utf-8"?>
+<p:notes xmlns:a="http://schemas.openxmlformats.org/drawingml/2006/main" xmlns:r="http://schemas.openxmlformats.org/officeDocument/2006/relationships" xmlns:p="http://schemas.openxmlformats.org/presentationml/2006/main">
+  <p:cSld>
+    <p:spTree>
+      <p:nvGrpSpPr>
+        <p:cNvPr id="1" name=""/>
+        <p:cNvGrpSpPr/>
+        <p:nvPr/>
+      </p:nvGrpSpPr>
+      <p:grpSpPr>
+        <a:xfrm>
+          <a:off x="0" y="0"/>
+          <a:ext cx="0" cy="0"/>
+          <a:chOff x="0" y="0"/>
+          <a:chExt cx="0" cy="0"/>
+        </a:xfrm>
+      </p:grpSpPr>
+      <p:sp>
+        <p:nvSpPr>
+          <p:cNvPr id="2" name="スライド イメージ プレースホルダー 1"/>
+          <p:cNvSpPr>
+            <a:spLocks noGrp="1" noRot="1" noChangeAspect="1"/>
+          </p:cNvSpPr>
+          <p:nvPr>
+            <p:ph type="sldImg"/>
+          </p:nvPr>
+        </p:nvSpPr>
+        <p:spPr/>
+      </p:sp>
+      <p:sp>
+        <p:nvSpPr>
+          <p:cNvPr id="3" name="ノート プレースホルダー 2"/>
+          <p:cNvSpPr>
+            <a:spLocks noGrp="1"/>
+          </p:cNvSpPr>
+          <p:nvPr>
+            <p:ph type="body" idx="1"/>
+          </p:nvPr>
+        </p:nvSpPr>
+        <p:spPr/>
+        <p:txBody>
+          <a:bodyPr rtlCol="0"/>
+          <a:lstStyle/>
+          <a:p>
+            <a:pPr rtl="0"/>
+            <a:endParaRPr lang="ja-JP" altLang="en-US">
+              <a:latin typeface="Meiryo UI" panose="020B0604030504040204" pitchFamily="50" charset="-128"/>
+              <a:ea typeface="Meiryo UI" panose="020B0604030504040204" pitchFamily="50" charset="-128"/>
+            </a:endParaRPr>
+          </a:p>
+        </p:txBody>
+      </p:sp>
+      <p:sp>
+        <p:nvSpPr>
+          <p:cNvPr id="4" name="スライド番号プレースホルダー 3"/>
+          <p:cNvSpPr>
+            <a:spLocks noGrp="1"/>
+          </p:cNvSpPr>
+          <p:nvPr>
+            <p:ph type="sldNum" sz="quarter" idx="5"/>
+          </p:nvPr>
+        </p:nvSpPr>
+        <p:spPr/>
+        <p:txBody>
+          <a:bodyPr rtlCol="0"/>
+          <a:lstStyle/>
+          <a:p>
+            <a:pPr rtl="0"/>
+            <a:fld id="{0D0EDF81-139F-488C-872B-4720FBA6BF98}" type="slidenum">
+              <a:rPr lang="en-US" altLang="ja-JP" smtClean="0">
+                <a:latin typeface="Meiryo UI" panose="020B0604030504040204" pitchFamily="50" charset="-128"/>
+                <a:ea typeface="Meiryo UI" panose="020B0604030504040204" pitchFamily="50" charset="-128"/>
+              </a:rPr>
+              <a:t>11</a:t>
+            </a:fld>
+            <a:endParaRPr lang="ja-JP" altLang="en-US">
+              <a:latin typeface="Meiryo UI" panose="020B0604030504040204" pitchFamily="50" charset="-128"/>
+              <a:ea typeface="Meiryo UI" panose="020B0604030504040204" pitchFamily="50" charset="-128"/>
+            </a:endParaRPr>
+          </a:p>
+        </p:txBody>
+      </p:sp>
+    </p:spTree>
+    <p:extLst>
+      <p:ext uri="{BB962C8B-B14F-4D97-AF65-F5344CB8AC3E}">
+        <p14:creationId xmlns:p14="http://schemas.microsoft.com/office/powerpoint/2010/main" val="2043101574"/>
       </p:ext>
     </p:extLst>
   </p:cSld>
@@ -39738,10 +41452,1434 @@
           </a:p>
         </p:txBody>
       </p:sp>
+      <p:pic>
+        <p:nvPicPr>
+          <p:cNvPr id="4" name="図 3" descr="ダイアグラム&#10;&#10;自動的に生成された説明">
+            <a:extLst>
+              <a:ext uri="{FF2B5EF4-FFF2-40B4-BE49-F238E27FC236}">
+                <a16:creationId xmlns:a16="http://schemas.microsoft.com/office/drawing/2014/main" id="{B3CA05C5-A7D6-D405-89FB-022BA3F23BA1}"/>
+              </a:ext>
+            </a:extLst>
+          </p:cNvPr>
+          <p:cNvPicPr>
+            <a:picLocks noChangeAspect="1"/>
+          </p:cNvPicPr>
+          <p:nvPr/>
+        </p:nvPicPr>
+        <p:blipFill>
+          <a:blip r:embed="rId3"/>
+          <a:stretch>
+            <a:fillRect/>
+          </a:stretch>
+        </p:blipFill>
+        <p:spPr>
+          <a:xfrm>
+            <a:off x="0" y="2132113"/>
+            <a:ext cx="12192000" cy="3782811"/>
+          </a:xfrm>
+          <a:prstGeom prst="rect">
+            <a:avLst/>
+          </a:prstGeom>
+        </p:spPr>
+      </p:pic>
     </p:spTree>
     <p:extLst>
       <p:ext uri="{BB962C8B-B14F-4D97-AF65-F5344CB8AC3E}">
         <p14:creationId xmlns:p14="http://schemas.microsoft.com/office/powerpoint/2010/main" val="1680311101"/>
+      </p:ext>
+    </p:extLst>
+  </p:cSld>
+  <p:clrMapOvr>
+    <a:masterClrMapping/>
+  </p:clrMapOvr>
+</p:sld>
+</file>
+
+<file path=ppt/slides/slide11.xml><?xml version="1.0" encoding="utf-8"?>
+<p:sld xmlns:a="http://schemas.openxmlformats.org/drawingml/2006/main" xmlns:r="http://schemas.openxmlformats.org/officeDocument/2006/relationships" xmlns:p="http://schemas.openxmlformats.org/presentationml/2006/main">
+  <p:cSld>
+    <p:spTree>
+      <p:nvGrpSpPr>
+        <p:cNvPr id="1" name=""/>
+        <p:cNvGrpSpPr/>
+        <p:nvPr/>
+      </p:nvGrpSpPr>
+      <p:grpSpPr>
+        <a:xfrm>
+          <a:off x="0" y="0"/>
+          <a:ext cx="0" cy="0"/>
+          <a:chOff x="0" y="0"/>
+          <a:chExt cx="0" cy="0"/>
+        </a:xfrm>
+      </p:grpSpPr>
+      <p:sp>
+        <p:nvSpPr>
+          <p:cNvPr id="2" name="タイトル 1">
+            <a:extLst>
+              <a:ext uri="{FF2B5EF4-FFF2-40B4-BE49-F238E27FC236}">
+                <a16:creationId xmlns:a16="http://schemas.microsoft.com/office/drawing/2014/main" id="{3A3C7BDB-B7D1-465C-9965-C0C4D79D10F4}"/>
+              </a:ext>
+            </a:extLst>
+          </p:cNvPr>
+          <p:cNvSpPr>
+            <a:spLocks noGrp="1"/>
+          </p:cNvSpPr>
+          <p:nvPr>
+            <p:ph type="title"/>
+          </p:nvPr>
+        </p:nvSpPr>
+        <p:spPr/>
+        <p:txBody>
+          <a:bodyPr rtlCol="0"/>
+          <a:lstStyle/>
+          <a:p>
+            <a:pPr rtl="0"/>
+            <a:r>
+              <a:rPr lang="ja-JP" altLang="en-US" b="1" i="0" dirty="0">
+                <a:latin typeface="Meiryo UI" panose="020B0604030504040204" pitchFamily="50" charset="-128"/>
+                <a:ea typeface="Meiryo UI" panose="020B0604030504040204" pitchFamily="50" charset="-128"/>
+              </a:rPr>
+              <a:t>パーセプトロン</a:t>
+            </a:r>
+            <a:endParaRPr lang="ja-JP" altLang="en-US" b="1" i="0" dirty="0">
+              <a:solidFill>
+                <a:schemeClr val="accent1">
+                  <a:lumMod val="60000"/>
+                  <a:lumOff val="40000"/>
+                </a:schemeClr>
+              </a:solidFill>
+              <a:latin typeface="Meiryo UI" panose="020B0604030504040204" pitchFamily="50" charset="-128"/>
+              <a:ea typeface="Meiryo UI" panose="020B0604030504040204" pitchFamily="50" charset="-128"/>
+            </a:endParaRPr>
+          </a:p>
+        </p:txBody>
+      </p:sp>
+      <p:sp>
+        <p:nvSpPr>
+          <p:cNvPr id="8" name="スライド番号プレースホルダー 7">
+            <a:extLst>
+              <a:ext uri="{FF2B5EF4-FFF2-40B4-BE49-F238E27FC236}">
+                <a16:creationId xmlns:a16="http://schemas.microsoft.com/office/drawing/2014/main" id="{60264F83-93CE-4B81-87A0-2FF1A991148D}"/>
+              </a:ext>
+            </a:extLst>
+          </p:cNvPr>
+          <p:cNvSpPr>
+            <a:spLocks noGrp="1"/>
+          </p:cNvSpPr>
+          <p:nvPr>
+            <p:ph type="sldNum" sz="quarter" idx="12"/>
+          </p:nvPr>
+        </p:nvSpPr>
+        <p:spPr/>
+        <p:txBody>
+          <a:bodyPr rtlCol="0"/>
+          <a:lstStyle/>
+          <a:p>
+            <a:pPr rtl="0"/>
+            <a:fld id="{B9713C8C-8E70-45D5-AE59-23E60168254E}" type="slidenum">
+              <a:rPr lang="en-US" altLang="ja-JP" smtClean="0">
+                <a:latin typeface="Meiryo UI" panose="020B0604030504040204" pitchFamily="50" charset="-128"/>
+                <a:ea typeface="Meiryo UI" panose="020B0604030504040204" pitchFamily="50" charset="-128"/>
+              </a:rPr>
+              <a:t>11</a:t>
+            </a:fld>
+            <a:endParaRPr lang="ja-JP" altLang="en-US" dirty="0">
+              <a:latin typeface="Meiryo UI" panose="020B0604030504040204" pitchFamily="50" charset="-128"/>
+              <a:ea typeface="Meiryo UI" panose="020B0604030504040204" pitchFamily="50" charset="-128"/>
+            </a:endParaRPr>
+          </a:p>
+        </p:txBody>
+      </p:sp>
+      <p:pic>
+        <p:nvPicPr>
+          <p:cNvPr id="5" name="図 4" descr="ダイアグラム&#10;&#10;自動的に生成された説明">
+            <a:extLst>
+              <a:ext uri="{FF2B5EF4-FFF2-40B4-BE49-F238E27FC236}">
+                <a16:creationId xmlns:a16="http://schemas.microsoft.com/office/drawing/2014/main" id="{73AC3151-457D-EE8B-CF3D-94416388B2B1}"/>
+              </a:ext>
+            </a:extLst>
+          </p:cNvPr>
+          <p:cNvPicPr>
+            <a:picLocks noChangeAspect="1"/>
+          </p:cNvPicPr>
+          <p:nvPr/>
+        </p:nvPicPr>
+        <p:blipFill>
+          <a:blip r:embed="rId3"/>
+          <a:stretch>
+            <a:fillRect/>
+          </a:stretch>
+        </p:blipFill>
+        <p:spPr>
+          <a:xfrm>
+            <a:off x="2744343" y="1487279"/>
+            <a:ext cx="6703314" cy="5261628"/>
+          </a:xfrm>
+          <a:prstGeom prst="rect">
+            <a:avLst/>
+          </a:prstGeom>
+        </p:spPr>
+      </p:pic>
+    </p:spTree>
+    <p:extLst>
+      <p:ext uri="{BB962C8B-B14F-4D97-AF65-F5344CB8AC3E}">
+        <p14:creationId xmlns:p14="http://schemas.microsoft.com/office/powerpoint/2010/main" val="1696508316"/>
+      </p:ext>
+    </p:extLst>
+  </p:cSld>
+  <p:clrMapOvr>
+    <a:masterClrMapping/>
+  </p:clrMapOvr>
+</p:sld>
+</file>
+
+<file path=ppt/slides/slide12.xml><?xml version="1.0" encoding="utf-8"?>
+<p:sld xmlns:a="http://schemas.openxmlformats.org/drawingml/2006/main" xmlns:r="http://schemas.openxmlformats.org/officeDocument/2006/relationships" xmlns:p="http://schemas.openxmlformats.org/presentationml/2006/main">
+  <p:cSld>
+    <p:spTree>
+      <p:nvGrpSpPr>
+        <p:cNvPr id="1" name=""/>
+        <p:cNvGrpSpPr/>
+        <p:nvPr/>
+      </p:nvGrpSpPr>
+      <p:grpSpPr>
+        <a:xfrm>
+          <a:off x="0" y="0"/>
+          <a:ext cx="0" cy="0"/>
+          <a:chOff x="0" y="0"/>
+          <a:chExt cx="0" cy="0"/>
+        </a:xfrm>
+      </p:grpSpPr>
+      <p:sp>
+        <p:nvSpPr>
+          <p:cNvPr id="2" name="タイトル 1">
+            <a:extLst>
+              <a:ext uri="{FF2B5EF4-FFF2-40B4-BE49-F238E27FC236}">
+                <a16:creationId xmlns:a16="http://schemas.microsoft.com/office/drawing/2014/main" id="{3A3C7BDB-B7D1-465C-9965-C0C4D79D10F4}"/>
+              </a:ext>
+            </a:extLst>
+          </p:cNvPr>
+          <p:cNvSpPr>
+            <a:spLocks noGrp="1"/>
+          </p:cNvSpPr>
+          <p:nvPr>
+            <p:ph type="title"/>
+          </p:nvPr>
+        </p:nvSpPr>
+        <p:spPr/>
+        <p:txBody>
+          <a:bodyPr rtlCol="0"/>
+          <a:lstStyle/>
+          <a:p>
+            <a:pPr rtl="0"/>
+            <a:r>
+              <a:rPr lang="ja-JP" altLang="en-US" b="1" i="0" dirty="0">
+                <a:latin typeface="Meiryo UI" panose="020B0604030504040204" pitchFamily="50" charset="-128"/>
+                <a:ea typeface="Meiryo UI" panose="020B0604030504040204" pitchFamily="50" charset="-128"/>
+              </a:rPr>
+              <a:t>パーセプトロン</a:t>
+            </a:r>
+            <a:endParaRPr lang="ja-JP" altLang="en-US" b="1" i="0" dirty="0">
+              <a:solidFill>
+                <a:schemeClr val="accent1">
+                  <a:lumMod val="60000"/>
+                  <a:lumOff val="40000"/>
+                </a:schemeClr>
+              </a:solidFill>
+              <a:latin typeface="Meiryo UI" panose="020B0604030504040204" pitchFamily="50" charset="-128"/>
+              <a:ea typeface="Meiryo UI" panose="020B0604030504040204" pitchFamily="50" charset="-128"/>
+            </a:endParaRPr>
+          </a:p>
+        </p:txBody>
+      </p:sp>
+      <p:sp>
+        <p:nvSpPr>
+          <p:cNvPr id="8" name="スライド番号プレースホルダー 7">
+            <a:extLst>
+              <a:ext uri="{FF2B5EF4-FFF2-40B4-BE49-F238E27FC236}">
+                <a16:creationId xmlns:a16="http://schemas.microsoft.com/office/drawing/2014/main" id="{60264F83-93CE-4B81-87A0-2FF1A991148D}"/>
+              </a:ext>
+            </a:extLst>
+          </p:cNvPr>
+          <p:cNvSpPr>
+            <a:spLocks noGrp="1"/>
+          </p:cNvSpPr>
+          <p:nvPr>
+            <p:ph type="sldNum" sz="quarter" idx="12"/>
+          </p:nvPr>
+        </p:nvSpPr>
+        <p:spPr/>
+        <p:txBody>
+          <a:bodyPr rtlCol="0"/>
+          <a:lstStyle/>
+          <a:p>
+            <a:pPr rtl="0"/>
+            <a:fld id="{B9713C8C-8E70-45D5-AE59-23E60168254E}" type="slidenum">
+              <a:rPr lang="en-US" altLang="ja-JP" smtClean="0">
+                <a:latin typeface="Meiryo UI" panose="020B0604030504040204" pitchFamily="50" charset="-128"/>
+                <a:ea typeface="Meiryo UI" panose="020B0604030504040204" pitchFamily="50" charset="-128"/>
+              </a:rPr>
+              <a:t>12</a:t>
+            </a:fld>
+            <a:endParaRPr lang="ja-JP" altLang="en-US" dirty="0">
+              <a:latin typeface="Meiryo UI" panose="020B0604030504040204" pitchFamily="50" charset="-128"/>
+              <a:ea typeface="Meiryo UI" panose="020B0604030504040204" pitchFamily="50" charset="-128"/>
+            </a:endParaRPr>
+          </a:p>
+        </p:txBody>
+      </p:sp>
+      <p:pic>
+        <p:nvPicPr>
+          <p:cNvPr id="4" name="図 3" descr="ダイアグラム&#10;&#10;自動的に生成された説明">
+            <a:extLst>
+              <a:ext uri="{FF2B5EF4-FFF2-40B4-BE49-F238E27FC236}">
+                <a16:creationId xmlns:a16="http://schemas.microsoft.com/office/drawing/2014/main" id="{4CBAE4D8-0850-D161-E7E7-B4AC6D46FC64}"/>
+              </a:ext>
+            </a:extLst>
+          </p:cNvPr>
+          <p:cNvPicPr>
+            <a:picLocks noChangeAspect="1"/>
+          </p:cNvPicPr>
+          <p:nvPr/>
+        </p:nvPicPr>
+        <p:blipFill>
+          <a:blip r:embed="rId3"/>
+          <a:stretch>
+            <a:fillRect/>
+          </a:stretch>
+        </p:blipFill>
+        <p:spPr>
+          <a:xfrm>
+            <a:off x="2464689" y="1690688"/>
+            <a:ext cx="6374007" cy="5030787"/>
+          </a:xfrm>
+          <a:prstGeom prst="rect">
+            <a:avLst/>
+          </a:prstGeom>
+        </p:spPr>
+      </p:pic>
+    </p:spTree>
+    <p:extLst>
+      <p:ext uri="{BB962C8B-B14F-4D97-AF65-F5344CB8AC3E}">
+        <p14:creationId xmlns:p14="http://schemas.microsoft.com/office/powerpoint/2010/main" val="1125151261"/>
+      </p:ext>
+    </p:extLst>
+  </p:cSld>
+  <p:clrMapOvr>
+    <a:masterClrMapping/>
+  </p:clrMapOvr>
+</p:sld>
+</file>
+
+<file path=ppt/slides/slide13.xml><?xml version="1.0" encoding="utf-8"?>
+<p:sld xmlns:a="http://schemas.openxmlformats.org/drawingml/2006/main" xmlns:r="http://schemas.openxmlformats.org/officeDocument/2006/relationships" xmlns:p="http://schemas.openxmlformats.org/presentationml/2006/main">
+  <p:cSld>
+    <p:spTree>
+      <p:nvGrpSpPr>
+        <p:cNvPr id="1" name=""/>
+        <p:cNvGrpSpPr/>
+        <p:nvPr/>
+      </p:nvGrpSpPr>
+      <p:grpSpPr>
+        <a:xfrm>
+          <a:off x="0" y="0"/>
+          <a:ext cx="0" cy="0"/>
+          <a:chOff x="0" y="0"/>
+          <a:chExt cx="0" cy="0"/>
+        </a:xfrm>
+      </p:grpSpPr>
+      <p:sp>
+        <p:nvSpPr>
+          <p:cNvPr id="2" name="タイトル 1">
+            <a:extLst>
+              <a:ext uri="{FF2B5EF4-FFF2-40B4-BE49-F238E27FC236}">
+                <a16:creationId xmlns:a16="http://schemas.microsoft.com/office/drawing/2014/main" id="{3A3C7BDB-B7D1-465C-9965-C0C4D79D10F4}"/>
+              </a:ext>
+            </a:extLst>
+          </p:cNvPr>
+          <p:cNvSpPr>
+            <a:spLocks noGrp="1"/>
+          </p:cNvSpPr>
+          <p:nvPr>
+            <p:ph type="title"/>
+          </p:nvPr>
+        </p:nvSpPr>
+        <p:spPr/>
+        <p:txBody>
+          <a:bodyPr rtlCol="0"/>
+          <a:lstStyle/>
+          <a:p>
+            <a:pPr rtl="0"/>
+            <a:r>
+              <a:rPr lang="ja-JP" altLang="en-US" b="1" i="0" dirty="0">
+                <a:latin typeface="Meiryo UI" panose="020B0604030504040204" pitchFamily="50" charset="-128"/>
+                <a:ea typeface="Meiryo UI" panose="020B0604030504040204" pitchFamily="50" charset="-128"/>
+              </a:rPr>
+              <a:t>パーセプトロン</a:t>
+            </a:r>
+            <a:endParaRPr lang="ja-JP" altLang="en-US" b="1" i="0" dirty="0">
+              <a:solidFill>
+                <a:schemeClr val="accent1">
+                  <a:lumMod val="60000"/>
+                  <a:lumOff val="40000"/>
+                </a:schemeClr>
+              </a:solidFill>
+              <a:latin typeface="Meiryo UI" panose="020B0604030504040204" pitchFamily="50" charset="-128"/>
+              <a:ea typeface="Meiryo UI" panose="020B0604030504040204" pitchFamily="50" charset="-128"/>
+            </a:endParaRPr>
+          </a:p>
+        </p:txBody>
+      </p:sp>
+      <p:sp>
+        <p:nvSpPr>
+          <p:cNvPr id="8" name="スライド番号プレースホルダー 7">
+            <a:extLst>
+              <a:ext uri="{FF2B5EF4-FFF2-40B4-BE49-F238E27FC236}">
+                <a16:creationId xmlns:a16="http://schemas.microsoft.com/office/drawing/2014/main" id="{60264F83-93CE-4B81-87A0-2FF1A991148D}"/>
+              </a:ext>
+            </a:extLst>
+          </p:cNvPr>
+          <p:cNvSpPr>
+            <a:spLocks noGrp="1"/>
+          </p:cNvSpPr>
+          <p:nvPr>
+            <p:ph type="sldNum" sz="quarter" idx="12"/>
+          </p:nvPr>
+        </p:nvSpPr>
+        <p:spPr/>
+        <p:txBody>
+          <a:bodyPr rtlCol="0"/>
+          <a:lstStyle/>
+          <a:p>
+            <a:pPr rtl="0"/>
+            <a:fld id="{B9713C8C-8E70-45D5-AE59-23E60168254E}" type="slidenum">
+              <a:rPr lang="en-US" altLang="ja-JP" smtClean="0">
+                <a:latin typeface="Meiryo UI" panose="020B0604030504040204" pitchFamily="50" charset="-128"/>
+                <a:ea typeface="Meiryo UI" panose="020B0604030504040204" pitchFamily="50" charset="-128"/>
+              </a:rPr>
+              <a:t>13</a:t>
+            </a:fld>
+            <a:endParaRPr lang="ja-JP" altLang="en-US" dirty="0">
+              <a:latin typeface="Meiryo UI" panose="020B0604030504040204" pitchFamily="50" charset="-128"/>
+              <a:ea typeface="Meiryo UI" panose="020B0604030504040204" pitchFamily="50" charset="-128"/>
+            </a:endParaRPr>
+          </a:p>
+        </p:txBody>
+      </p:sp>
+      <p:pic>
+        <p:nvPicPr>
+          <p:cNvPr id="5" name="図 4" descr="ダイアグラム&#10;&#10;自動的に生成された説明">
+            <a:extLst>
+              <a:ext uri="{FF2B5EF4-FFF2-40B4-BE49-F238E27FC236}">
+                <a16:creationId xmlns:a16="http://schemas.microsoft.com/office/drawing/2014/main" id="{40AA5911-6DF6-4A8B-FF71-56248305A0A9}"/>
+              </a:ext>
+            </a:extLst>
+          </p:cNvPr>
+          <p:cNvPicPr>
+            <a:picLocks noChangeAspect="1"/>
+          </p:cNvPicPr>
+          <p:nvPr/>
+        </p:nvPicPr>
+        <p:blipFill>
+          <a:blip r:embed="rId3"/>
+          <a:stretch>
+            <a:fillRect/>
+          </a:stretch>
+        </p:blipFill>
+        <p:spPr>
+          <a:xfrm>
+            <a:off x="2162937" y="1690688"/>
+            <a:ext cx="6834759" cy="5166107"/>
+          </a:xfrm>
+          <a:prstGeom prst="rect">
+            <a:avLst/>
+          </a:prstGeom>
+        </p:spPr>
+      </p:pic>
+      <p:sp>
+        <p:nvSpPr>
+          <p:cNvPr id="6" name="正方形/長方形 5">
+            <a:extLst>
+              <a:ext uri="{FF2B5EF4-FFF2-40B4-BE49-F238E27FC236}">
+                <a16:creationId xmlns:a16="http://schemas.microsoft.com/office/drawing/2014/main" id="{AC43010F-B4E4-0162-924C-A5DC3F0A7DDB}"/>
+              </a:ext>
+            </a:extLst>
+          </p:cNvPr>
+          <p:cNvSpPr/>
+          <p:nvPr/>
+        </p:nvSpPr>
+        <p:spPr>
+          <a:xfrm>
+            <a:off x="6920816" y="2837298"/>
+            <a:ext cx="1554480" cy="512064"/>
+          </a:xfrm>
+          <a:prstGeom prst="rect">
+            <a:avLst/>
+          </a:prstGeom>
+        </p:spPr>
+        <p:style>
+          <a:lnRef idx="2">
+            <a:schemeClr val="accent1">
+              <a:shade val="15000"/>
+            </a:schemeClr>
+          </a:lnRef>
+          <a:fillRef idx="1">
+            <a:schemeClr val="accent1"/>
+          </a:fillRef>
+          <a:effectRef idx="0">
+            <a:schemeClr val="accent1"/>
+          </a:effectRef>
+          <a:fontRef idx="minor">
+            <a:schemeClr val="lt1"/>
+          </a:fontRef>
+        </p:style>
+        <p:txBody>
+          <a:bodyPr rtlCol="0" anchor="ctr"/>
+          <a:lstStyle/>
+          <a:p>
+            <a:pPr algn="ctr"/>
+            <a:endParaRPr kumimoji="1" lang="ja-JP" altLang="en-US"/>
+          </a:p>
+        </p:txBody>
+      </p:sp>
+      <p:sp>
+        <p:nvSpPr>
+          <p:cNvPr id="7" name="正方形/長方形 6">
+            <a:extLst>
+              <a:ext uri="{FF2B5EF4-FFF2-40B4-BE49-F238E27FC236}">
+                <a16:creationId xmlns:a16="http://schemas.microsoft.com/office/drawing/2014/main" id="{1DD1A20C-9DB6-6B5E-8672-D993B0F48DBA}"/>
+              </a:ext>
+            </a:extLst>
+          </p:cNvPr>
+          <p:cNvSpPr/>
+          <p:nvPr/>
+        </p:nvSpPr>
+        <p:spPr>
+          <a:xfrm>
+            <a:off x="7415255" y="5637304"/>
+            <a:ext cx="1060041" cy="512064"/>
+          </a:xfrm>
+          <a:prstGeom prst="rect">
+            <a:avLst/>
+          </a:prstGeom>
+        </p:spPr>
+        <p:style>
+          <a:lnRef idx="2">
+            <a:schemeClr val="accent1">
+              <a:shade val="15000"/>
+            </a:schemeClr>
+          </a:lnRef>
+          <a:fillRef idx="1">
+            <a:schemeClr val="accent1"/>
+          </a:fillRef>
+          <a:effectRef idx="0">
+            <a:schemeClr val="accent1"/>
+          </a:effectRef>
+          <a:fontRef idx="minor">
+            <a:schemeClr val="lt1"/>
+          </a:fontRef>
+        </p:style>
+        <p:txBody>
+          <a:bodyPr rtlCol="0" anchor="ctr"/>
+          <a:lstStyle/>
+          <a:p>
+            <a:pPr algn="ctr"/>
+            <a:endParaRPr kumimoji="1" lang="ja-JP" altLang="en-US"/>
+          </a:p>
+        </p:txBody>
+      </p:sp>
+      <p:sp>
+        <p:nvSpPr>
+          <p:cNvPr id="9" name="正方形/長方形 8">
+            <a:extLst>
+              <a:ext uri="{FF2B5EF4-FFF2-40B4-BE49-F238E27FC236}">
+                <a16:creationId xmlns:a16="http://schemas.microsoft.com/office/drawing/2014/main" id="{6151257B-B55A-EECF-59B3-03A487DE7CC0}"/>
+              </a:ext>
+            </a:extLst>
+          </p:cNvPr>
+          <p:cNvSpPr/>
+          <p:nvPr/>
+        </p:nvSpPr>
+        <p:spPr>
+          <a:xfrm>
+            <a:off x="6954543" y="6149368"/>
+            <a:ext cx="1060041" cy="512064"/>
+          </a:xfrm>
+          <a:prstGeom prst="rect">
+            <a:avLst/>
+          </a:prstGeom>
+        </p:spPr>
+        <p:style>
+          <a:lnRef idx="2">
+            <a:schemeClr val="accent1">
+              <a:shade val="15000"/>
+            </a:schemeClr>
+          </a:lnRef>
+          <a:fillRef idx="1">
+            <a:schemeClr val="accent1"/>
+          </a:fillRef>
+          <a:effectRef idx="0">
+            <a:schemeClr val="accent1"/>
+          </a:effectRef>
+          <a:fontRef idx="minor">
+            <a:schemeClr val="lt1"/>
+          </a:fontRef>
+        </p:style>
+        <p:txBody>
+          <a:bodyPr rtlCol="0" anchor="ctr"/>
+          <a:lstStyle/>
+          <a:p>
+            <a:pPr algn="ctr"/>
+            <a:endParaRPr kumimoji="1" lang="ja-JP" altLang="en-US"/>
+          </a:p>
+        </p:txBody>
+      </p:sp>
+    </p:spTree>
+    <p:extLst>
+      <p:ext uri="{BB962C8B-B14F-4D97-AF65-F5344CB8AC3E}">
+        <p14:creationId xmlns:p14="http://schemas.microsoft.com/office/powerpoint/2010/main" val="2048063848"/>
+      </p:ext>
+    </p:extLst>
+  </p:cSld>
+  <p:clrMapOvr>
+    <a:masterClrMapping/>
+  </p:clrMapOvr>
+</p:sld>
+</file>
+
+<file path=ppt/slides/slide14.xml><?xml version="1.0" encoding="utf-8"?>
+<p:sld xmlns:a="http://schemas.openxmlformats.org/drawingml/2006/main" xmlns:r="http://schemas.openxmlformats.org/officeDocument/2006/relationships" xmlns:p="http://schemas.openxmlformats.org/presentationml/2006/main">
+  <p:cSld>
+    <p:spTree>
+      <p:nvGrpSpPr>
+        <p:cNvPr id="1" name=""/>
+        <p:cNvGrpSpPr/>
+        <p:nvPr/>
+      </p:nvGrpSpPr>
+      <p:grpSpPr>
+        <a:xfrm>
+          <a:off x="0" y="0"/>
+          <a:ext cx="0" cy="0"/>
+          <a:chOff x="0" y="0"/>
+          <a:chExt cx="0" cy="0"/>
+        </a:xfrm>
+      </p:grpSpPr>
+      <p:sp>
+        <p:nvSpPr>
+          <p:cNvPr id="2" name="タイトル 1">
+            <a:extLst>
+              <a:ext uri="{FF2B5EF4-FFF2-40B4-BE49-F238E27FC236}">
+                <a16:creationId xmlns:a16="http://schemas.microsoft.com/office/drawing/2014/main" id="{3A3C7BDB-B7D1-465C-9965-C0C4D79D10F4}"/>
+              </a:ext>
+            </a:extLst>
+          </p:cNvPr>
+          <p:cNvSpPr>
+            <a:spLocks noGrp="1"/>
+          </p:cNvSpPr>
+          <p:nvPr>
+            <p:ph type="title"/>
+          </p:nvPr>
+        </p:nvSpPr>
+        <p:spPr/>
+        <p:txBody>
+          <a:bodyPr rtlCol="0"/>
+          <a:lstStyle/>
+          <a:p>
+            <a:pPr rtl="0"/>
+            <a:r>
+              <a:rPr lang="ja-JP" altLang="en-US" b="1" i="0" dirty="0">
+                <a:latin typeface="Meiryo UI" panose="020B0604030504040204" pitchFamily="50" charset="-128"/>
+                <a:ea typeface="Meiryo UI" panose="020B0604030504040204" pitchFamily="50" charset="-128"/>
+              </a:rPr>
+              <a:t>パーセプトロン</a:t>
+            </a:r>
+            <a:endParaRPr lang="ja-JP" altLang="en-US" b="1" i="0" dirty="0">
+              <a:solidFill>
+                <a:schemeClr val="accent1">
+                  <a:lumMod val="60000"/>
+                  <a:lumOff val="40000"/>
+                </a:schemeClr>
+              </a:solidFill>
+              <a:latin typeface="Meiryo UI" panose="020B0604030504040204" pitchFamily="50" charset="-128"/>
+              <a:ea typeface="Meiryo UI" panose="020B0604030504040204" pitchFamily="50" charset="-128"/>
+            </a:endParaRPr>
+          </a:p>
+        </p:txBody>
+      </p:sp>
+      <p:sp>
+        <p:nvSpPr>
+          <p:cNvPr id="8" name="スライド番号プレースホルダー 7">
+            <a:extLst>
+              <a:ext uri="{FF2B5EF4-FFF2-40B4-BE49-F238E27FC236}">
+                <a16:creationId xmlns:a16="http://schemas.microsoft.com/office/drawing/2014/main" id="{60264F83-93CE-4B81-87A0-2FF1A991148D}"/>
+              </a:ext>
+            </a:extLst>
+          </p:cNvPr>
+          <p:cNvSpPr>
+            <a:spLocks noGrp="1"/>
+          </p:cNvSpPr>
+          <p:nvPr>
+            <p:ph type="sldNum" sz="quarter" idx="12"/>
+          </p:nvPr>
+        </p:nvSpPr>
+        <p:spPr/>
+        <p:txBody>
+          <a:bodyPr rtlCol="0"/>
+          <a:lstStyle/>
+          <a:p>
+            <a:pPr rtl="0"/>
+            <a:fld id="{B9713C8C-8E70-45D5-AE59-23E60168254E}" type="slidenum">
+              <a:rPr lang="en-US" altLang="ja-JP" smtClean="0">
+                <a:latin typeface="Meiryo UI" panose="020B0604030504040204" pitchFamily="50" charset="-128"/>
+                <a:ea typeface="Meiryo UI" panose="020B0604030504040204" pitchFamily="50" charset="-128"/>
+              </a:rPr>
+              <a:t>14</a:t>
+            </a:fld>
+            <a:endParaRPr lang="ja-JP" altLang="en-US" dirty="0">
+              <a:latin typeface="Meiryo UI" panose="020B0604030504040204" pitchFamily="50" charset="-128"/>
+              <a:ea typeface="Meiryo UI" panose="020B0604030504040204" pitchFamily="50" charset="-128"/>
+            </a:endParaRPr>
+          </a:p>
+        </p:txBody>
+      </p:sp>
+      <p:pic>
+        <p:nvPicPr>
+          <p:cNvPr id="5" name="図 4" descr="ダイアグラム&#10;&#10;自動的に生成された説明">
+            <a:extLst>
+              <a:ext uri="{FF2B5EF4-FFF2-40B4-BE49-F238E27FC236}">
+                <a16:creationId xmlns:a16="http://schemas.microsoft.com/office/drawing/2014/main" id="{40AA5911-6DF6-4A8B-FF71-56248305A0A9}"/>
+              </a:ext>
+            </a:extLst>
+          </p:cNvPr>
+          <p:cNvPicPr>
+            <a:picLocks noChangeAspect="1"/>
+          </p:cNvPicPr>
+          <p:nvPr/>
+        </p:nvPicPr>
+        <p:blipFill>
+          <a:blip r:embed="rId3"/>
+          <a:stretch>
+            <a:fillRect/>
+          </a:stretch>
+        </p:blipFill>
+        <p:spPr>
+          <a:xfrm>
+            <a:off x="2162937" y="1690688"/>
+            <a:ext cx="6834759" cy="5166107"/>
+          </a:xfrm>
+          <a:prstGeom prst="rect">
+            <a:avLst/>
+          </a:prstGeom>
+        </p:spPr>
+      </p:pic>
+    </p:spTree>
+    <p:extLst>
+      <p:ext uri="{BB962C8B-B14F-4D97-AF65-F5344CB8AC3E}">
+        <p14:creationId xmlns:p14="http://schemas.microsoft.com/office/powerpoint/2010/main" val="3301545478"/>
+      </p:ext>
+    </p:extLst>
+  </p:cSld>
+  <p:clrMapOvr>
+    <a:masterClrMapping/>
+  </p:clrMapOvr>
+</p:sld>
+</file>
+
+<file path=ppt/slides/slide15.xml><?xml version="1.0" encoding="utf-8"?>
+<p:sld xmlns:a="http://schemas.openxmlformats.org/drawingml/2006/main" xmlns:r="http://schemas.openxmlformats.org/officeDocument/2006/relationships" xmlns:p="http://schemas.openxmlformats.org/presentationml/2006/main">
+  <p:cSld>
+    <p:spTree>
+      <p:nvGrpSpPr>
+        <p:cNvPr id="1" name=""/>
+        <p:cNvGrpSpPr/>
+        <p:nvPr/>
+      </p:nvGrpSpPr>
+      <p:grpSpPr>
+        <a:xfrm>
+          <a:off x="0" y="0"/>
+          <a:ext cx="0" cy="0"/>
+          <a:chOff x="0" y="0"/>
+          <a:chExt cx="0" cy="0"/>
+        </a:xfrm>
+      </p:grpSpPr>
+      <p:sp>
+        <p:nvSpPr>
+          <p:cNvPr id="2" name="タイトル 1">
+            <a:extLst>
+              <a:ext uri="{FF2B5EF4-FFF2-40B4-BE49-F238E27FC236}">
+                <a16:creationId xmlns:a16="http://schemas.microsoft.com/office/drawing/2014/main" id="{3A3C7BDB-B7D1-465C-9965-C0C4D79D10F4}"/>
+              </a:ext>
+            </a:extLst>
+          </p:cNvPr>
+          <p:cNvSpPr>
+            <a:spLocks noGrp="1"/>
+          </p:cNvSpPr>
+          <p:nvPr>
+            <p:ph type="title"/>
+          </p:nvPr>
+        </p:nvSpPr>
+        <p:spPr/>
+        <p:txBody>
+          <a:bodyPr rtlCol="0"/>
+          <a:lstStyle/>
+          <a:p>
+            <a:pPr rtl="0"/>
+            <a:r>
+              <a:rPr lang="ja-JP" altLang="en-US" b="1" i="0" dirty="0">
+                <a:latin typeface="Meiryo UI" panose="020B0604030504040204" pitchFamily="50" charset="-128"/>
+                <a:ea typeface="Meiryo UI" panose="020B0604030504040204" pitchFamily="50" charset="-128"/>
+              </a:rPr>
+              <a:t>パーセプトロン</a:t>
+            </a:r>
+            <a:endParaRPr lang="ja-JP" altLang="en-US" b="1" i="0" dirty="0">
+              <a:solidFill>
+                <a:schemeClr val="accent1">
+                  <a:lumMod val="60000"/>
+                  <a:lumOff val="40000"/>
+                </a:schemeClr>
+              </a:solidFill>
+              <a:latin typeface="Meiryo UI" panose="020B0604030504040204" pitchFamily="50" charset="-128"/>
+              <a:ea typeface="Meiryo UI" panose="020B0604030504040204" pitchFamily="50" charset="-128"/>
+            </a:endParaRPr>
+          </a:p>
+        </p:txBody>
+      </p:sp>
+      <p:sp>
+        <p:nvSpPr>
+          <p:cNvPr id="8" name="スライド番号プレースホルダー 7">
+            <a:extLst>
+              <a:ext uri="{FF2B5EF4-FFF2-40B4-BE49-F238E27FC236}">
+                <a16:creationId xmlns:a16="http://schemas.microsoft.com/office/drawing/2014/main" id="{60264F83-93CE-4B81-87A0-2FF1A991148D}"/>
+              </a:ext>
+            </a:extLst>
+          </p:cNvPr>
+          <p:cNvSpPr>
+            <a:spLocks noGrp="1"/>
+          </p:cNvSpPr>
+          <p:nvPr>
+            <p:ph type="sldNum" sz="quarter" idx="12"/>
+          </p:nvPr>
+        </p:nvSpPr>
+        <p:spPr/>
+        <p:txBody>
+          <a:bodyPr rtlCol="0"/>
+          <a:lstStyle/>
+          <a:p>
+            <a:pPr rtl="0"/>
+            <a:fld id="{B9713C8C-8E70-45D5-AE59-23E60168254E}" type="slidenum">
+              <a:rPr lang="en-US" altLang="ja-JP" smtClean="0">
+                <a:latin typeface="Meiryo UI" panose="020B0604030504040204" pitchFamily="50" charset="-128"/>
+                <a:ea typeface="Meiryo UI" panose="020B0604030504040204" pitchFamily="50" charset="-128"/>
+              </a:rPr>
+              <a:t>15</a:t>
+            </a:fld>
+            <a:endParaRPr lang="ja-JP" altLang="en-US" dirty="0">
+              <a:latin typeface="Meiryo UI" panose="020B0604030504040204" pitchFamily="50" charset="-128"/>
+              <a:ea typeface="Meiryo UI" panose="020B0604030504040204" pitchFamily="50" charset="-128"/>
+            </a:endParaRPr>
+          </a:p>
+        </p:txBody>
+      </p:sp>
+      <p:pic>
+        <p:nvPicPr>
+          <p:cNvPr id="4" name="図 3" descr="時計 が含まれている画像&#10;&#10;自動的に生成された説明">
+            <a:extLst>
+              <a:ext uri="{FF2B5EF4-FFF2-40B4-BE49-F238E27FC236}">
+                <a16:creationId xmlns:a16="http://schemas.microsoft.com/office/drawing/2014/main" id="{7D531848-6DA3-5B73-9950-9CA83767D76B}"/>
+              </a:ext>
+            </a:extLst>
+          </p:cNvPr>
+          <p:cNvPicPr>
+            <a:picLocks noChangeAspect="1"/>
+          </p:cNvPicPr>
+          <p:nvPr/>
+        </p:nvPicPr>
+        <p:blipFill>
+          <a:blip r:embed="rId3"/>
+          <a:stretch>
+            <a:fillRect/>
+          </a:stretch>
+        </p:blipFill>
+        <p:spPr>
+          <a:xfrm>
+            <a:off x="0" y="1892675"/>
+            <a:ext cx="12192000" cy="4503879"/>
+          </a:xfrm>
+          <a:prstGeom prst="rect">
+            <a:avLst/>
+          </a:prstGeom>
+        </p:spPr>
+      </p:pic>
+    </p:spTree>
+    <p:extLst>
+      <p:ext uri="{BB962C8B-B14F-4D97-AF65-F5344CB8AC3E}">
+        <p14:creationId xmlns:p14="http://schemas.microsoft.com/office/powerpoint/2010/main" val="3773996356"/>
+      </p:ext>
+    </p:extLst>
+  </p:cSld>
+  <p:clrMapOvr>
+    <a:masterClrMapping/>
+  </p:clrMapOvr>
+</p:sld>
+</file>
+
+<file path=ppt/slides/slide16.xml><?xml version="1.0" encoding="utf-8"?>
+<p:sld xmlns:a="http://schemas.openxmlformats.org/drawingml/2006/main" xmlns:r="http://schemas.openxmlformats.org/officeDocument/2006/relationships" xmlns:p="http://schemas.openxmlformats.org/presentationml/2006/main">
+  <p:cSld>
+    <p:spTree>
+      <p:nvGrpSpPr>
+        <p:cNvPr id="1" name=""/>
+        <p:cNvGrpSpPr/>
+        <p:nvPr/>
+      </p:nvGrpSpPr>
+      <p:grpSpPr>
+        <a:xfrm>
+          <a:off x="0" y="0"/>
+          <a:ext cx="0" cy="0"/>
+          <a:chOff x="0" y="0"/>
+          <a:chExt cx="0" cy="0"/>
+        </a:xfrm>
+      </p:grpSpPr>
+      <p:sp>
+        <p:nvSpPr>
+          <p:cNvPr id="2" name="タイトル 1">
+            <a:extLst>
+              <a:ext uri="{FF2B5EF4-FFF2-40B4-BE49-F238E27FC236}">
+                <a16:creationId xmlns:a16="http://schemas.microsoft.com/office/drawing/2014/main" id="{3A3C7BDB-B7D1-465C-9965-C0C4D79D10F4}"/>
+              </a:ext>
+            </a:extLst>
+          </p:cNvPr>
+          <p:cNvSpPr>
+            <a:spLocks noGrp="1"/>
+          </p:cNvSpPr>
+          <p:nvPr>
+            <p:ph type="title"/>
+          </p:nvPr>
+        </p:nvSpPr>
+        <p:spPr/>
+        <p:txBody>
+          <a:bodyPr rtlCol="0"/>
+          <a:lstStyle/>
+          <a:p>
+            <a:pPr rtl="0"/>
+            <a:r>
+              <a:rPr lang="ja-JP" altLang="en-US" b="1" i="0" dirty="0">
+                <a:latin typeface="Meiryo UI" panose="020B0604030504040204" pitchFamily="50" charset="-128"/>
+                <a:ea typeface="Meiryo UI" panose="020B0604030504040204" pitchFamily="50" charset="-128"/>
+              </a:rPr>
+              <a:t>パーセプトロン</a:t>
+            </a:r>
+            <a:endParaRPr lang="ja-JP" altLang="en-US" b="1" i="0" dirty="0">
+              <a:solidFill>
+                <a:schemeClr val="accent1">
+                  <a:lumMod val="60000"/>
+                  <a:lumOff val="40000"/>
+                </a:schemeClr>
+              </a:solidFill>
+              <a:latin typeface="Meiryo UI" panose="020B0604030504040204" pitchFamily="50" charset="-128"/>
+              <a:ea typeface="Meiryo UI" panose="020B0604030504040204" pitchFamily="50" charset="-128"/>
+            </a:endParaRPr>
+          </a:p>
+        </p:txBody>
+      </p:sp>
+      <p:sp>
+        <p:nvSpPr>
+          <p:cNvPr id="8" name="スライド番号プレースホルダー 7">
+            <a:extLst>
+              <a:ext uri="{FF2B5EF4-FFF2-40B4-BE49-F238E27FC236}">
+                <a16:creationId xmlns:a16="http://schemas.microsoft.com/office/drawing/2014/main" id="{60264F83-93CE-4B81-87A0-2FF1A991148D}"/>
+              </a:ext>
+            </a:extLst>
+          </p:cNvPr>
+          <p:cNvSpPr>
+            <a:spLocks noGrp="1"/>
+          </p:cNvSpPr>
+          <p:nvPr>
+            <p:ph type="sldNum" sz="quarter" idx="12"/>
+          </p:nvPr>
+        </p:nvSpPr>
+        <p:spPr/>
+        <p:txBody>
+          <a:bodyPr rtlCol="0"/>
+          <a:lstStyle/>
+          <a:p>
+            <a:pPr rtl="0"/>
+            <a:fld id="{B9713C8C-8E70-45D5-AE59-23E60168254E}" type="slidenum">
+              <a:rPr lang="en-US" altLang="ja-JP" smtClean="0">
+                <a:latin typeface="Meiryo UI" panose="020B0604030504040204" pitchFamily="50" charset="-128"/>
+                <a:ea typeface="Meiryo UI" panose="020B0604030504040204" pitchFamily="50" charset="-128"/>
+              </a:rPr>
+              <a:t>16</a:t>
+            </a:fld>
+            <a:endParaRPr lang="ja-JP" altLang="en-US" dirty="0">
+              <a:latin typeface="Meiryo UI" panose="020B0604030504040204" pitchFamily="50" charset="-128"/>
+              <a:ea typeface="Meiryo UI" panose="020B0604030504040204" pitchFamily="50" charset="-128"/>
+            </a:endParaRPr>
+          </a:p>
+        </p:txBody>
+      </p:sp>
+      <p:pic>
+        <p:nvPicPr>
+          <p:cNvPr id="4" name="図 3" descr="テキスト, 手紙&#10;&#10;自動的に生成された説明">
+            <a:extLst>
+              <a:ext uri="{FF2B5EF4-FFF2-40B4-BE49-F238E27FC236}">
+                <a16:creationId xmlns:a16="http://schemas.microsoft.com/office/drawing/2014/main" id="{512DCC17-B330-8D25-0E1F-86CF2765AF35}"/>
+              </a:ext>
+            </a:extLst>
+          </p:cNvPr>
+          <p:cNvPicPr>
+            <a:picLocks noChangeAspect="1"/>
+          </p:cNvPicPr>
+          <p:nvPr/>
+        </p:nvPicPr>
+        <p:blipFill>
+          <a:blip r:embed="rId3"/>
+          <a:stretch>
+            <a:fillRect/>
+          </a:stretch>
+        </p:blipFill>
+        <p:spPr>
+          <a:xfrm>
+            <a:off x="0" y="2276029"/>
+            <a:ext cx="12192000" cy="4080321"/>
+          </a:xfrm>
+          <a:prstGeom prst="rect">
+            <a:avLst/>
+          </a:prstGeom>
+        </p:spPr>
+      </p:pic>
+    </p:spTree>
+    <p:extLst>
+      <p:ext uri="{BB962C8B-B14F-4D97-AF65-F5344CB8AC3E}">
+        <p14:creationId xmlns:p14="http://schemas.microsoft.com/office/powerpoint/2010/main" val="3888582516"/>
+      </p:ext>
+    </p:extLst>
+  </p:cSld>
+  <p:clrMapOvr>
+    <a:masterClrMapping/>
+  </p:clrMapOvr>
+</p:sld>
+</file>
+
+<file path=ppt/slides/slide17.xml><?xml version="1.0" encoding="utf-8"?>
+<p:sld xmlns:a="http://schemas.openxmlformats.org/drawingml/2006/main" xmlns:r="http://schemas.openxmlformats.org/officeDocument/2006/relationships" xmlns:p="http://schemas.openxmlformats.org/presentationml/2006/main">
+  <p:cSld>
+    <p:spTree>
+      <p:nvGrpSpPr>
+        <p:cNvPr id="1" name=""/>
+        <p:cNvGrpSpPr/>
+        <p:nvPr/>
+      </p:nvGrpSpPr>
+      <p:grpSpPr>
+        <a:xfrm>
+          <a:off x="0" y="0"/>
+          <a:ext cx="0" cy="0"/>
+          <a:chOff x="0" y="0"/>
+          <a:chExt cx="0" cy="0"/>
+        </a:xfrm>
+      </p:grpSpPr>
+      <p:sp>
+        <p:nvSpPr>
+          <p:cNvPr id="2" name="タイトル 1">
+            <a:extLst>
+              <a:ext uri="{FF2B5EF4-FFF2-40B4-BE49-F238E27FC236}">
+                <a16:creationId xmlns:a16="http://schemas.microsoft.com/office/drawing/2014/main" id="{3A3C7BDB-B7D1-465C-9965-C0C4D79D10F4}"/>
+              </a:ext>
+            </a:extLst>
+          </p:cNvPr>
+          <p:cNvSpPr>
+            <a:spLocks noGrp="1"/>
+          </p:cNvSpPr>
+          <p:nvPr>
+            <p:ph type="title"/>
+          </p:nvPr>
+        </p:nvSpPr>
+        <p:spPr/>
+        <p:txBody>
+          <a:bodyPr rtlCol="0"/>
+          <a:lstStyle/>
+          <a:p>
+            <a:pPr rtl="0"/>
+            <a:r>
+              <a:rPr lang="ja-JP" altLang="en-US" b="1" i="0" dirty="0">
+                <a:latin typeface="Meiryo UI" panose="020B0604030504040204" pitchFamily="50" charset="-128"/>
+                <a:ea typeface="Meiryo UI" panose="020B0604030504040204" pitchFamily="50" charset="-128"/>
+              </a:rPr>
+              <a:t>パーセプトロン</a:t>
+            </a:r>
+            <a:endParaRPr lang="ja-JP" altLang="en-US" b="1" i="0" dirty="0">
+              <a:solidFill>
+                <a:schemeClr val="accent1">
+                  <a:lumMod val="60000"/>
+                  <a:lumOff val="40000"/>
+                </a:schemeClr>
+              </a:solidFill>
+              <a:latin typeface="Meiryo UI" panose="020B0604030504040204" pitchFamily="50" charset="-128"/>
+              <a:ea typeface="Meiryo UI" panose="020B0604030504040204" pitchFamily="50" charset="-128"/>
+            </a:endParaRPr>
+          </a:p>
+        </p:txBody>
+      </p:sp>
+      <p:sp>
+        <p:nvSpPr>
+          <p:cNvPr id="8" name="スライド番号プレースホルダー 7">
+            <a:extLst>
+              <a:ext uri="{FF2B5EF4-FFF2-40B4-BE49-F238E27FC236}">
+                <a16:creationId xmlns:a16="http://schemas.microsoft.com/office/drawing/2014/main" id="{60264F83-93CE-4B81-87A0-2FF1A991148D}"/>
+              </a:ext>
+            </a:extLst>
+          </p:cNvPr>
+          <p:cNvSpPr>
+            <a:spLocks noGrp="1"/>
+          </p:cNvSpPr>
+          <p:nvPr>
+            <p:ph type="sldNum" sz="quarter" idx="12"/>
+          </p:nvPr>
+        </p:nvSpPr>
+        <p:spPr/>
+        <p:txBody>
+          <a:bodyPr rtlCol="0"/>
+          <a:lstStyle/>
+          <a:p>
+            <a:pPr rtl="0"/>
+            <a:fld id="{B9713C8C-8E70-45D5-AE59-23E60168254E}" type="slidenum">
+              <a:rPr lang="en-US" altLang="ja-JP" smtClean="0">
+                <a:latin typeface="Meiryo UI" panose="020B0604030504040204" pitchFamily="50" charset="-128"/>
+                <a:ea typeface="Meiryo UI" panose="020B0604030504040204" pitchFamily="50" charset="-128"/>
+              </a:rPr>
+              <a:t>17</a:t>
+            </a:fld>
+            <a:endParaRPr lang="ja-JP" altLang="en-US" dirty="0">
+              <a:latin typeface="Meiryo UI" panose="020B0604030504040204" pitchFamily="50" charset="-128"/>
+              <a:ea typeface="Meiryo UI" panose="020B0604030504040204" pitchFamily="50" charset="-128"/>
+            </a:endParaRPr>
+          </a:p>
+        </p:txBody>
+      </p:sp>
+      <p:pic>
+        <p:nvPicPr>
+          <p:cNvPr id="7" name="図 6" descr="テキスト, 手紙&#10;&#10;自動的に生成された説明">
+            <a:extLst>
+              <a:ext uri="{FF2B5EF4-FFF2-40B4-BE49-F238E27FC236}">
+                <a16:creationId xmlns:a16="http://schemas.microsoft.com/office/drawing/2014/main" id="{5C45E749-981F-8448-F364-AA46EE240F76}"/>
+              </a:ext>
+            </a:extLst>
+          </p:cNvPr>
+          <p:cNvPicPr>
+            <a:picLocks noChangeAspect="1"/>
+          </p:cNvPicPr>
+          <p:nvPr/>
+        </p:nvPicPr>
+        <p:blipFill>
+          <a:blip r:embed="rId3"/>
+          <a:stretch>
+            <a:fillRect/>
+          </a:stretch>
+        </p:blipFill>
+        <p:spPr>
+          <a:xfrm>
+            <a:off x="0" y="2407736"/>
+            <a:ext cx="12192000" cy="3725023"/>
+          </a:xfrm>
+          <a:prstGeom prst="rect">
+            <a:avLst/>
+          </a:prstGeom>
+        </p:spPr>
+      </p:pic>
+    </p:spTree>
+    <p:extLst>
+      <p:ext uri="{BB962C8B-B14F-4D97-AF65-F5344CB8AC3E}">
+        <p14:creationId xmlns:p14="http://schemas.microsoft.com/office/powerpoint/2010/main" val="1715644715"/>
+      </p:ext>
+    </p:extLst>
+  </p:cSld>
+  <p:clrMapOvr>
+    <a:masterClrMapping/>
+  </p:clrMapOvr>
+</p:sld>
+</file>
+
+<file path=ppt/slides/slide18.xml><?xml version="1.0" encoding="utf-8"?>
+<p:sld xmlns:a="http://schemas.openxmlformats.org/drawingml/2006/main" xmlns:r="http://schemas.openxmlformats.org/officeDocument/2006/relationships" xmlns:p="http://schemas.openxmlformats.org/presentationml/2006/main">
+  <p:cSld>
+    <p:spTree>
+      <p:nvGrpSpPr>
+        <p:cNvPr id="1" name=""/>
+        <p:cNvGrpSpPr/>
+        <p:nvPr/>
+      </p:nvGrpSpPr>
+      <p:grpSpPr>
+        <a:xfrm>
+          <a:off x="0" y="0"/>
+          <a:ext cx="0" cy="0"/>
+          <a:chOff x="0" y="0"/>
+          <a:chExt cx="0" cy="0"/>
+        </a:xfrm>
+      </p:grpSpPr>
+      <p:sp>
+        <p:nvSpPr>
+          <p:cNvPr id="2" name="タイトル 1">
+            <a:extLst>
+              <a:ext uri="{FF2B5EF4-FFF2-40B4-BE49-F238E27FC236}">
+                <a16:creationId xmlns:a16="http://schemas.microsoft.com/office/drawing/2014/main" id="{3A3C7BDB-B7D1-465C-9965-C0C4D79D10F4}"/>
+              </a:ext>
+            </a:extLst>
+          </p:cNvPr>
+          <p:cNvSpPr>
+            <a:spLocks noGrp="1"/>
+          </p:cNvSpPr>
+          <p:nvPr>
+            <p:ph type="title"/>
+          </p:nvPr>
+        </p:nvSpPr>
+        <p:spPr/>
+        <p:txBody>
+          <a:bodyPr rtlCol="0"/>
+          <a:lstStyle/>
+          <a:p>
+            <a:pPr rtl="0"/>
+            <a:r>
+              <a:rPr lang="ja-JP" altLang="en-US" b="1" i="0" dirty="0">
+                <a:latin typeface="Meiryo UI" panose="020B0604030504040204" pitchFamily="50" charset="-128"/>
+                <a:ea typeface="Meiryo UI" panose="020B0604030504040204" pitchFamily="50" charset="-128"/>
+              </a:rPr>
+              <a:t>パーセプトロン</a:t>
+            </a:r>
+            <a:r>
+              <a:rPr lang="en-US" altLang="ja-JP" b="1" i="0" dirty="0">
+                <a:latin typeface="Meiryo UI" panose="020B0604030504040204" pitchFamily="50" charset="-128"/>
+                <a:ea typeface="Meiryo UI" panose="020B0604030504040204" pitchFamily="50" charset="-128"/>
+              </a:rPr>
+              <a:t>-</a:t>
+            </a:r>
+            <a:r>
+              <a:rPr lang="ja-JP" altLang="en-US" b="1" i="0" dirty="0">
+                <a:latin typeface="Meiryo UI" panose="020B0604030504040204" pitchFamily="50" charset="-128"/>
+                <a:ea typeface="Meiryo UI" panose="020B0604030504040204" pitchFamily="50" charset="-128"/>
+              </a:rPr>
+              <a:t>線形分離</a:t>
+            </a:r>
+            <a:endParaRPr lang="ja-JP" altLang="en-US" b="1" i="0" dirty="0">
+              <a:solidFill>
+                <a:schemeClr val="accent1">
+                  <a:lumMod val="60000"/>
+                  <a:lumOff val="40000"/>
+                </a:schemeClr>
+              </a:solidFill>
+              <a:latin typeface="Meiryo UI" panose="020B0604030504040204" pitchFamily="50" charset="-128"/>
+              <a:ea typeface="Meiryo UI" panose="020B0604030504040204" pitchFamily="50" charset="-128"/>
+            </a:endParaRPr>
+          </a:p>
+        </p:txBody>
+      </p:sp>
+      <p:sp>
+        <p:nvSpPr>
+          <p:cNvPr id="8" name="スライド番号プレースホルダー 7">
+            <a:extLst>
+              <a:ext uri="{FF2B5EF4-FFF2-40B4-BE49-F238E27FC236}">
+                <a16:creationId xmlns:a16="http://schemas.microsoft.com/office/drawing/2014/main" id="{60264F83-93CE-4B81-87A0-2FF1A991148D}"/>
+              </a:ext>
+            </a:extLst>
+          </p:cNvPr>
+          <p:cNvSpPr>
+            <a:spLocks noGrp="1"/>
+          </p:cNvSpPr>
+          <p:nvPr>
+            <p:ph type="sldNum" sz="quarter" idx="12"/>
+          </p:nvPr>
+        </p:nvSpPr>
+        <p:spPr/>
+        <p:txBody>
+          <a:bodyPr rtlCol="0"/>
+          <a:lstStyle/>
+          <a:p>
+            <a:pPr rtl="0"/>
+            <a:fld id="{B9713C8C-8E70-45D5-AE59-23E60168254E}" type="slidenum">
+              <a:rPr lang="en-US" altLang="ja-JP" smtClean="0">
+                <a:latin typeface="Meiryo UI" panose="020B0604030504040204" pitchFamily="50" charset="-128"/>
+                <a:ea typeface="Meiryo UI" panose="020B0604030504040204" pitchFamily="50" charset="-128"/>
+              </a:rPr>
+              <a:t>18</a:t>
+            </a:fld>
+            <a:endParaRPr lang="ja-JP" altLang="en-US" dirty="0">
+              <a:latin typeface="Meiryo UI" panose="020B0604030504040204" pitchFamily="50" charset="-128"/>
+              <a:ea typeface="Meiryo UI" panose="020B0604030504040204" pitchFamily="50" charset="-128"/>
+            </a:endParaRPr>
+          </a:p>
+        </p:txBody>
+      </p:sp>
+      <p:pic>
+        <p:nvPicPr>
+          <p:cNvPr id="4" name="図 3" descr="テキスト, 手紙&#10;&#10;自動的に生成された説明">
+            <a:extLst>
+              <a:ext uri="{FF2B5EF4-FFF2-40B4-BE49-F238E27FC236}">
+                <a16:creationId xmlns:a16="http://schemas.microsoft.com/office/drawing/2014/main" id="{37C4AB73-A619-BE43-6412-1B23B7C8FD53}"/>
+              </a:ext>
+            </a:extLst>
+          </p:cNvPr>
+          <p:cNvPicPr>
+            <a:picLocks noChangeAspect="1"/>
+          </p:cNvPicPr>
+          <p:nvPr/>
+        </p:nvPicPr>
+        <p:blipFill>
+          <a:blip r:embed="rId3"/>
+          <a:stretch>
+            <a:fillRect/>
+          </a:stretch>
+        </p:blipFill>
+        <p:spPr>
+          <a:xfrm>
+            <a:off x="0" y="1912180"/>
+            <a:ext cx="12192000" cy="4374596"/>
+          </a:xfrm>
+          <a:prstGeom prst="rect">
+            <a:avLst/>
+          </a:prstGeom>
+        </p:spPr>
+      </p:pic>
+    </p:spTree>
+    <p:extLst>
+      <p:ext uri="{BB962C8B-B14F-4D97-AF65-F5344CB8AC3E}">
+        <p14:creationId xmlns:p14="http://schemas.microsoft.com/office/powerpoint/2010/main" val="1066698178"/>
+      </p:ext>
+    </p:extLst>
+  </p:cSld>
+  <p:clrMapOvr>
+    <a:masterClrMapping/>
+  </p:clrMapOvr>
+</p:sld>
+</file>
+
+<file path=ppt/slides/slide19.xml><?xml version="1.0" encoding="utf-8"?>
+<p:sld xmlns:a="http://schemas.openxmlformats.org/drawingml/2006/main" xmlns:r="http://schemas.openxmlformats.org/officeDocument/2006/relationships" xmlns:p="http://schemas.openxmlformats.org/presentationml/2006/main">
+  <p:cSld>
+    <p:spTree>
+      <p:nvGrpSpPr>
+        <p:cNvPr id="1" name=""/>
+        <p:cNvGrpSpPr/>
+        <p:nvPr/>
+      </p:nvGrpSpPr>
+      <p:grpSpPr>
+        <a:xfrm>
+          <a:off x="0" y="0"/>
+          <a:ext cx="0" cy="0"/>
+          <a:chOff x="0" y="0"/>
+          <a:chExt cx="0" cy="0"/>
+        </a:xfrm>
+      </p:grpSpPr>
+      <p:sp>
+        <p:nvSpPr>
+          <p:cNvPr id="2" name="タイトル 1">
+            <a:extLst>
+              <a:ext uri="{FF2B5EF4-FFF2-40B4-BE49-F238E27FC236}">
+                <a16:creationId xmlns:a16="http://schemas.microsoft.com/office/drawing/2014/main" id="{3A3C7BDB-B7D1-465C-9965-C0C4D79D10F4}"/>
+              </a:ext>
+            </a:extLst>
+          </p:cNvPr>
+          <p:cNvSpPr>
+            <a:spLocks noGrp="1"/>
+          </p:cNvSpPr>
+          <p:nvPr>
+            <p:ph type="title"/>
+          </p:nvPr>
+        </p:nvSpPr>
+        <p:spPr/>
+        <p:txBody>
+          <a:bodyPr rtlCol="0"/>
+          <a:lstStyle/>
+          <a:p>
+            <a:pPr rtl="0"/>
+            <a:r>
+              <a:rPr lang="ja-JP" altLang="en-US" b="1" i="0" dirty="0">
+                <a:latin typeface="Meiryo UI" panose="020B0604030504040204" pitchFamily="50" charset="-128"/>
+                <a:ea typeface="Meiryo UI" panose="020B0604030504040204" pitchFamily="50" charset="-128"/>
+              </a:rPr>
+              <a:t>パーセプトロン</a:t>
+            </a:r>
+            <a:endParaRPr lang="ja-JP" altLang="en-US" b="1" i="0" dirty="0">
+              <a:solidFill>
+                <a:schemeClr val="accent1">
+                  <a:lumMod val="60000"/>
+                  <a:lumOff val="40000"/>
+                </a:schemeClr>
+              </a:solidFill>
+              <a:latin typeface="Meiryo UI" panose="020B0604030504040204" pitchFamily="50" charset="-128"/>
+              <a:ea typeface="Meiryo UI" panose="020B0604030504040204" pitchFamily="50" charset="-128"/>
+            </a:endParaRPr>
+          </a:p>
+        </p:txBody>
+      </p:sp>
+      <p:sp>
+        <p:nvSpPr>
+          <p:cNvPr id="8" name="スライド番号プレースホルダー 7">
+            <a:extLst>
+              <a:ext uri="{FF2B5EF4-FFF2-40B4-BE49-F238E27FC236}">
+                <a16:creationId xmlns:a16="http://schemas.microsoft.com/office/drawing/2014/main" id="{60264F83-93CE-4B81-87A0-2FF1A991148D}"/>
+              </a:ext>
+            </a:extLst>
+          </p:cNvPr>
+          <p:cNvSpPr>
+            <a:spLocks noGrp="1"/>
+          </p:cNvSpPr>
+          <p:nvPr>
+            <p:ph type="sldNum" sz="quarter" idx="12"/>
+          </p:nvPr>
+        </p:nvSpPr>
+        <p:spPr/>
+        <p:txBody>
+          <a:bodyPr rtlCol="0"/>
+          <a:lstStyle/>
+          <a:p>
+            <a:pPr rtl="0"/>
+            <a:fld id="{B9713C8C-8E70-45D5-AE59-23E60168254E}" type="slidenum">
+              <a:rPr lang="en-US" altLang="ja-JP" smtClean="0">
+                <a:latin typeface="Meiryo UI" panose="020B0604030504040204" pitchFamily="50" charset="-128"/>
+                <a:ea typeface="Meiryo UI" panose="020B0604030504040204" pitchFamily="50" charset="-128"/>
+              </a:rPr>
+              <a:t>19</a:t>
+            </a:fld>
+            <a:endParaRPr lang="ja-JP" altLang="en-US" dirty="0">
+              <a:latin typeface="Meiryo UI" panose="020B0604030504040204" pitchFamily="50" charset="-128"/>
+              <a:ea typeface="Meiryo UI" panose="020B0604030504040204" pitchFamily="50" charset="-128"/>
+            </a:endParaRPr>
+          </a:p>
+        </p:txBody>
+      </p:sp>
+      <p:pic>
+        <p:nvPicPr>
+          <p:cNvPr id="4" name="図 3" descr="ダイアグラム&#10;&#10;自動的に生成された説明">
+            <a:extLst>
+              <a:ext uri="{FF2B5EF4-FFF2-40B4-BE49-F238E27FC236}">
+                <a16:creationId xmlns:a16="http://schemas.microsoft.com/office/drawing/2014/main" id="{0F105897-E044-B25D-31E0-CB54C367F382}"/>
+              </a:ext>
+            </a:extLst>
+          </p:cNvPr>
+          <p:cNvPicPr>
+            <a:picLocks noChangeAspect="1"/>
+          </p:cNvPicPr>
+          <p:nvPr/>
+        </p:nvPicPr>
+        <p:blipFill>
+          <a:blip r:embed="rId3"/>
+          <a:stretch>
+            <a:fillRect/>
+          </a:stretch>
+        </p:blipFill>
+        <p:spPr>
+          <a:xfrm>
+            <a:off x="0" y="2557036"/>
+            <a:ext cx="12192000" cy="3799314"/>
+          </a:xfrm>
+          <a:prstGeom prst="rect">
+            <a:avLst/>
+          </a:prstGeom>
+        </p:spPr>
+      </p:pic>
+    </p:spTree>
+    <p:extLst>
+      <p:ext uri="{BB962C8B-B14F-4D97-AF65-F5344CB8AC3E}">
+        <p14:creationId xmlns:p14="http://schemas.microsoft.com/office/powerpoint/2010/main" val="2299716896"/>
       </p:ext>
     </p:extLst>
   </p:cSld>
@@ -39814,21 +42952,26 @@
             <p:ph type="pic" idx="1"/>
           </p:nvPr>
         </p:nvSpPr>
-        <p:spPr/>
+        <p:spPr>
+          <a:xfrm>
+            <a:off x="6711696" y="640079"/>
+            <a:ext cx="5149000" cy="5568696"/>
+          </a:xfrm>
+        </p:spPr>
         <p:txBody>
           <a:bodyPr/>
           <a:lstStyle/>
           <a:p>
             <a:r>
               <a:rPr lang="ja-JP" altLang="en-US" dirty="0"/>
-              <a:t>第１回</a:t>
+              <a:t>第１回　パーセプトロン</a:t>
             </a:r>
             <a:endParaRPr lang="en-US" altLang="ja-JP" dirty="0"/>
           </a:p>
           <a:p>
             <a:r>
               <a:rPr lang="ja-JP" altLang="en-US" dirty="0"/>
-              <a:t>第２回</a:t>
+              <a:t>第２回　ニューラルネットワーク</a:t>
             </a:r>
             <a:endParaRPr lang="en-US" altLang="ja-JP" dirty="0"/>
           </a:p>
@@ -39895,6 +43038,760 @@
     <p:extLst>
       <p:ext uri="{BB962C8B-B14F-4D97-AF65-F5344CB8AC3E}">
         <p14:creationId xmlns:p14="http://schemas.microsoft.com/office/powerpoint/2010/main" val="2348195081"/>
+      </p:ext>
+    </p:extLst>
+  </p:cSld>
+  <p:clrMapOvr>
+    <a:masterClrMapping/>
+  </p:clrMapOvr>
+</p:sld>
+</file>
+
+<file path=ppt/slides/slide20.xml><?xml version="1.0" encoding="utf-8"?>
+<p:sld xmlns:a="http://schemas.openxmlformats.org/drawingml/2006/main" xmlns:r="http://schemas.openxmlformats.org/officeDocument/2006/relationships" xmlns:p="http://schemas.openxmlformats.org/presentationml/2006/main">
+  <p:cSld>
+    <p:spTree>
+      <p:nvGrpSpPr>
+        <p:cNvPr id="1" name=""/>
+        <p:cNvGrpSpPr/>
+        <p:nvPr/>
+      </p:nvGrpSpPr>
+      <p:grpSpPr>
+        <a:xfrm>
+          <a:off x="0" y="0"/>
+          <a:ext cx="0" cy="0"/>
+          <a:chOff x="0" y="0"/>
+          <a:chExt cx="0" cy="0"/>
+        </a:xfrm>
+      </p:grpSpPr>
+      <p:sp>
+        <p:nvSpPr>
+          <p:cNvPr id="2" name="タイトル 1">
+            <a:extLst>
+              <a:ext uri="{FF2B5EF4-FFF2-40B4-BE49-F238E27FC236}">
+                <a16:creationId xmlns:a16="http://schemas.microsoft.com/office/drawing/2014/main" id="{3A3C7BDB-B7D1-465C-9965-C0C4D79D10F4}"/>
+              </a:ext>
+            </a:extLst>
+          </p:cNvPr>
+          <p:cNvSpPr>
+            <a:spLocks noGrp="1"/>
+          </p:cNvSpPr>
+          <p:nvPr>
+            <p:ph type="title"/>
+          </p:nvPr>
+        </p:nvSpPr>
+        <p:spPr/>
+        <p:txBody>
+          <a:bodyPr rtlCol="0"/>
+          <a:lstStyle/>
+          <a:p>
+            <a:pPr rtl="0"/>
+            <a:r>
+              <a:rPr lang="ja-JP" altLang="en-US" b="1" i="0" dirty="0">
+                <a:latin typeface="Meiryo UI" panose="020B0604030504040204" pitchFamily="50" charset="-128"/>
+                <a:ea typeface="Meiryo UI" panose="020B0604030504040204" pitchFamily="50" charset="-128"/>
+              </a:rPr>
+              <a:t>パーセプトロン</a:t>
+            </a:r>
+            <a:endParaRPr lang="ja-JP" altLang="en-US" b="1" i="0" dirty="0">
+              <a:solidFill>
+                <a:schemeClr val="accent1">
+                  <a:lumMod val="60000"/>
+                  <a:lumOff val="40000"/>
+                </a:schemeClr>
+              </a:solidFill>
+              <a:latin typeface="Meiryo UI" panose="020B0604030504040204" pitchFamily="50" charset="-128"/>
+              <a:ea typeface="Meiryo UI" panose="020B0604030504040204" pitchFamily="50" charset="-128"/>
+            </a:endParaRPr>
+          </a:p>
+        </p:txBody>
+      </p:sp>
+      <p:sp>
+        <p:nvSpPr>
+          <p:cNvPr id="8" name="スライド番号プレースホルダー 7">
+            <a:extLst>
+              <a:ext uri="{FF2B5EF4-FFF2-40B4-BE49-F238E27FC236}">
+                <a16:creationId xmlns:a16="http://schemas.microsoft.com/office/drawing/2014/main" id="{60264F83-93CE-4B81-87A0-2FF1A991148D}"/>
+              </a:ext>
+            </a:extLst>
+          </p:cNvPr>
+          <p:cNvSpPr>
+            <a:spLocks noGrp="1"/>
+          </p:cNvSpPr>
+          <p:nvPr>
+            <p:ph type="sldNum" sz="quarter" idx="12"/>
+          </p:nvPr>
+        </p:nvSpPr>
+        <p:spPr/>
+        <p:txBody>
+          <a:bodyPr rtlCol="0"/>
+          <a:lstStyle/>
+          <a:p>
+            <a:pPr rtl="0"/>
+            <a:fld id="{B9713C8C-8E70-45D5-AE59-23E60168254E}" type="slidenum">
+              <a:rPr lang="en-US" altLang="ja-JP" smtClean="0">
+                <a:latin typeface="Meiryo UI" panose="020B0604030504040204" pitchFamily="50" charset="-128"/>
+                <a:ea typeface="Meiryo UI" panose="020B0604030504040204" pitchFamily="50" charset="-128"/>
+              </a:rPr>
+              <a:t>20</a:t>
+            </a:fld>
+            <a:endParaRPr lang="ja-JP" altLang="en-US" dirty="0">
+              <a:latin typeface="Meiryo UI" panose="020B0604030504040204" pitchFamily="50" charset="-128"/>
+              <a:ea typeface="Meiryo UI" panose="020B0604030504040204" pitchFamily="50" charset="-128"/>
+            </a:endParaRPr>
+          </a:p>
+        </p:txBody>
+      </p:sp>
+      <p:pic>
+        <p:nvPicPr>
+          <p:cNvPr id="4" name="図 3" descr="テキスト, 手紙&#10;&#10;自動的に生成された説明">
+            <a:extLst>
+              <a:ext uri="{FF2B5EF4-FFF2-40B4-BE49-F238E27FC236}">
+                <a16:creationId xmlns:a16="http://schemas.microsoft.com/office/drawing/2014/main" id="{9FAAC6C4-BBF8-46A1-29BB-72A8552B239C}"/>
+              </a:ext>
+            </a:extLst>
+          </p:cNvPr>
+          <p:cNvPicPr>
+            <a:picLocks noChangeAspect="1"/>
+          </p:cNvPicPr>
+          <p:nvPr/>
+        </p:nvPicPr>
+        <p:blipFill>
+          <a:blip r:embed="rId3"/>
+          <a:stretch>
+            <a:fillRect/>
+          </a:stretch>
+        </p:blipFill>
+        <p:spPr>
+          <a:xfrm>
+            <a:off x="0" y="1622574"/>
+            <a:ext cx="12192000" cy="4801891"/>
+          </a:xfrm>
+          <a:prstGeom prst="rect">
+            <a:avLst/>
+          </a:prstGeom>
+        </p:spPr>
+      </p:pic>
+    </p:spTree>
+    <p:extLst>
+      <p:ext uri="{BB962C8B-B14F-4D97-AF65-F5344CB8AC3E}">
+        <p14:creationId xmlns:p14="http://schemas.microsoft.com/office/powerpoint/2010/main" val="2983909670"/>
+      </p:ext>
+    </p:extLst>
+  </p:cSld>
+  <p:clrMapOvr>
+    <a:masterClrMapping/>
+  </p:clrMapOvr>
+</p:sld>
+</file>
+
+<file path=ppt/slides/slide21.xml><?xml version="1.0" encoding="utf-8"?>
+<p:sld xmlns:a="http://schemas.openxmlformats.org/drawingml/2006/main" xmlns:r="http://schemas.openxmlformats.org/officeDocument/2006/relationships" xmlns:p="http://schemas.openxmlformats.org/presentationml/2006/main">
+  <p:cSld>
+    <p:spTree>
+      <p:nvGrpSpPr>
+        <p:cNvPr id="1" name=""/>
+        <p:cNvGrpSpPr/>
+        <p:nvPr/>
+      </p:nvGrpSpPr>
+      <p:grpSpPr>
+        <a:xfrm>
+          <a:off x="0" y="0"/>
+          <a:ext cx="0" cy="0"/>
+          <a:chOff x="0" y="0"/>
+          <a:chExt cx="0" cy="0"/>
+        </a:xfrm>
+      </p:grpSpPr>
+      <p:sp>
+        <p:nvSpPr>
+          <p:cNvPr id="2" name="タイトル 1">
+            <a:extLst>
+              <a:ext uri="{FF2B5EF4-FFF2-40B4-BE49-F238E27FC236}">
+                <a16:creationId xmlns:a16="http://schemas.microsoft.com/office/drawing/2014/main" id="{3A3C7BDB-B7D1-465C-9965-C0C4D79D10F4}"/>
+              </a:ext>
+            </a:extLst>
+          </p:cNvPr>
+          <p:cNvSpPr>
+            <a:spLocks noGrp="1"/>
+          </p:cNvSpPr>
+          <p:nvPr>
+            <p:ph type="title"/>
+          </p:nvPr>
+        </p:nvSpPr>
+        <p:spPr/>
+        <p:txBody>
+          <a:bodyPr rtlCol="0"/>
+          <a:lstStyle/>
+          <a:p>
+            <a:pPr rtl="0"/>
+            <a:r>
+              <a:rPr lang="ja-JP" altLang="en-US" b="1" i="0" dirty="0">
+                <a:latin typeface="Meiryo UI" panose="020B0604030504040204" pitchFamily="50" charset="-128"/>
+                <a:ea typeface="Meiryo UI" panose="020B0604030504040204" pitchFamily="50" charset="-128"/>
+              </a:rPr>
+              <a:t>パーセプトロン</a:t>
+            </a:r>
+            <a:endParaRPr lang="ja-JP" altLang="en-US" b="1" i="0" dirty="0">
+              <a:solidFill>
+                <a:schemeClr val="accent1">
+                  <a:lumMod val="60000"/>
+                  <a:lumOff val="40000"/>
+                </a:schemeClr>
+              </a:solidFill>
+              <a:latin typeface="Meiryo UI" panose="020B0604030504040204" pitchFamily="50" charset="-128"/>
+              <a:ea typeface="Meiryo UI" panose="020B0604030504040204" pitchFamily="50" charset="-128"/>
+            </a:endParaRPr>
+          </a:p>
+        </p:txBody>
+      </p:sp>
+      <p:sp>
+        <p:nvSpPr>
+          <p:cNvPr id="8" name="スライド番号プレースホルダー 7">
+            <a:extLst>
+              <a:ext uri="{FF2B5EF4-FFF2-40B4-BE49-F238E27FC236}">
+                <a16:creationId xmlns:a16="http://schemas.microsoft.com/office/drawing/2014/main" id="{60264F83-93CE-4B81-87A0-2FF1A991148D}"/>
+              </a:ext>
+            </a:extLst>
+          </p:cNvPr>
+          <p:cNvSpPr>
+            <a:spLocks noGrp="1"/>
+          </p:cNvSpPr>
+          <p:nvPr>
+            <p:ph type="sldNum" sz="quarter" idx="12"/>
+          </p:nvPr>
+        </p:nvSpPr>
+        <p:spPr/>
+        <p:txBody>
+          <a:bodyPr rtlCol="0"/>
+          <a:lstStyle/>
+          <a:p>
+            <a:pPr rtl="0"/>
+            <a:fld id="{B9713C8C-8E70-45D5-AE59-23E60168254E}" type="slidenum">
+              <a:rPr lang="en-US" altLang="ja-JP" smtClean="0">
+                <a:latin typeface="Meiryo UI" panose="020B0604030504040204" pitchFamily="50" charset="-128"/>
+                <a:ea typeface="Meiryo UI" panose="020B0604030504040204" pitchFamily="50" charset="-128"/>
+              </a:rPr>
+              <a:t>21</a:t>
+            </a:fld>
+            <a:endParaRPr lang="ja-JP" altLang="en-US" dirty="0">
+              <a:latin typeface="Meiryo UI" panose="020B0604030504040204" pitchFamily="50" charset="-128"/>
+              <a:ea typeface="Meiryo UI" panose="020B0604030504040204" pitchFamily="50" charset="-128"/>
+            </a:endParaRPr>
+          </a:p>
+        </p:txBody>
+      </p:sp>
+      <p:pic>
+        <p:nvPicPr>
+          <p:cNvPr id="5" name="図 4" descr="ダイアグラム&#10;&#10;自動的に生成された説明">
+            <a:extLst>
+              <a:ext uri="{FF2B5EF4-FFF2-40B4-BE49-F238E27FC236}">
+                <a16:creationId xmlns:a16="http://schemas.microsoft.com/office/drawing/2014/main" id="{83252045-F4BD-1F92-3C5D-C91EF3B3442B}"/>
+              </a:ext>
+            </a:extLst>
+          </p:cNvPr>
+          <p:cNvPicPr>
+            <a:picLocks noChangeAspect="1"/>
+          </p:cNvPicPr>
+          <p:nvPr/>
+        </p:nvPicPr>
+        <p:blipFill>
+          <a:blip r:embed="rId3"/>
+          <a:stretch>
+            <a:fillRect/>
+          </a:stretch>
+        </p:blipFill>
+        <p:spPr>
+          <a:xfrm>
+            <a:off x="944880" y="1846146"/>
+            <a:ext cx="9863328" cy="5011854"/>
+          </a:xfrm>
+          <a:prstGeom prst="rect">
+            <a:avLst/>
+          </a:prstGeom>
+        </p:spPr>
+      </p:pic>
+    </p:spTree>
+    <p:extLst>
+      <p:ext uri="{BB962C8B-B14F-4D97-AF65-F5344CB8AC3E}">
+        <p14:creationId xmlns:p14="http://schemas.microsoft.com/office/powerpoint/2010/main" val="1653695914"/>
+      </p:ext>
+    </p:extLst>
+  </p:cSld>
+  <p:clrMapOvr>
+    <a:masterClrMapping/>
+  </p:clrMapOvr>
+</p:sld>
+</file>
+
+<file path=ppt/slides/slide22.xml><?xml version="1.0" encoding="utf-8"?>
+<p:sld xmlns:a="http://schemas.openxmlformats.org/drawingml/2006/main" xmlns:r="http://schemas.openxmlformats.org/officeDocument/2006/relationships" xmlns:p="http://schemas.openxmlformats.org/presentationml/2006/main">
+  <p:cSld>
+    <p:spTree>
+      <p:nvGrpSpPr>
+        <p:cNvPr id="1" name=""/>
+        <p:cNvGrpSpPr/>
+        <p:nvPr/>
+      </p:nvGrpSpPr>
+      <p:grpSpPr>
+        <a:xfrm>
+          <a:off x="0" y="0"/>
+          <a:ext cx="0" cy="0"/>
+          <a:chOff x="0" y="0"/>
+          <a:chExt cx="0" cy="0"/>
+        </a:xfrm>
+      </p:grpSpPr>
+      <p:sp>
+        <p:nvSpPr>
+          <p:cNvPr id="2" name="タイトル 1">
+            <a:extLst>
+              <a:ext uri="{FF2B5EF4-FFF2-40B4-BE49-F238E27FC236}">
+                <a16:creationId xmlns:a16="http://schemas.microsoft.com/office/drawing/2014/main" id="{3A3C7BDB-B7D1-465C-9965-C0C4D79D10F4}"/>
+              </a:ext>
+            </a:extLst>
+          </p:cNvPr>
+          <p:cNvSpPr>
+            <a:spLocks noGrp="1"/>
+          </p:cNvSpPr>
+          <p:nvPr>
+            <p:ph type="title"/>
+          </p:nvPr>
+        </p:nvSpPr>
+        <p:spPr/>
+        <p:txBody>
+          <a:bodyPr rtlCol="0"/>
+          <a:lstStyle/>
+          <a:p>
+            <a:pPr rtl="0"/>
+            <a:r>
+              <a:rPr lang="ja-JP" altLang="en-US" b="1" i="0" dirty="0">
+                <a:latin typeface="Meiryo UI" panose="020B0604030504040204" pitchFamily="50" charset="-128"/>
+                <a:ea typeface="Meiryo UI" panose="020B0604030504040204" pitchFamily="50" charset="-128"/>
+              </a:rPr>
+              <a:t>パーセプトロン</a:t>
+            </a:r>
+            <a:endParaRPr lang="ja-JP" altLang="en-US" b="1" i="0" dirty="0">
+              <a:solidFill>
+                <a:schemeClr val="accent1">
+                  <a:lumMod val="60000"/>
+                  <a:lumOff val="40000"/>
+                </a:schemeClr>
+              </a:solidFill>
+              <a:latin typeface="Meiryo UI" panose="020B0604030504040204" pitchFamily="50" charset="-128"/>
+              <a:ea typeface="Meiryo UI" panose="020B0604030504040204" pitchFamily="50" charset="-128"/>
+            </a:endParaRPr>
+          </a:p>
+        </p:txBody>
+      </p:sp>
+      <p:sp>
+        <p:nvSpPr>
+          <p:cNvPr id="8" name="スライド番号プレースホルダー 7">
+            <a:extLst>
+              <a:ext uri="{FF2B5EF4-FFF2-40B4-BE49-F238E27FC236}">
+                <a16:creationId xmlns:a16="http://schemas.microsoft.com/office/drawing/2014/main" id="{60264F83-93CE-4B81-87A0-2FF1A991148D}"/>
+              </a:ext>
+            </a:extLst>
+          </p:cNvPr>
+          <p:cNvSpPr>
+            <a:spLocks noGrp="1"/>
+          </p:cNvSpPr>
+          <p:nvPr>
+            <p:ph type="sldNum" sz="quarter" idx="12"/>
+          </p:nvPr>
+        </p:nvSpPr>
+        <p:spPr/>
+        <p:txBody>
+          <a:bodyPr rtlCol="0"/>
+          <a:lstStyle/>
+          <a:p>
+            <a:pPr rtl="0"/>
+            <a:fld id="{B9713C8C-8E70-45D5-AE59-23E60168254E}" type="slidenum">
+              <a:rPr lang="en-US" altLang="ja-JP" smtClean="0">
+                <a:latin typeface="Meiryo UI" panose="020B0604030504040204" pitchFamily="50" charset="-128"/>
+                <a:ea typeface="Meiryo UI" panose="020B0604030504040204" pitchFamily="50" charset="-128"/>
+              </a:rPr>
+              <a:t>22</a:t>
+            </a:fld>
+            <a:endParaRPr lang="ja-JP" altLang="en-US" dirty="0">
+              <a:latin typeface="Meiryo UI" panose="020B0604030504040204" pitchFamily="50" charset="-128"/>
+              <a:ea typeface="Meiryo UI" panose="020B0604030504040204" pitchFamily="50" charset="-128"/>
+            </a:endParaRPr>
+          </a:p>
+        </p:txBody>
+      </p:sp>
+      <p:pic>
+        <p:nvPicPr>
+          <p:cNvPr id="4" name="図 3" descr="ダイアグラム&#10;&#10;自動的に生成された説明">
+            <a:extLst>
+              <a:ext uri="{FF2B5EF4-FFF2-40B4-BE49-F238E27FC236}">
+                <a16:creationId xmlns:a16="http://schemas.microsoft.com/office/drawing/2014/main" id="{E77E8E6A-8DC7-D9D7-7B41-AAC8AA665B55}"/>
+              </a:ext>
+            </a:extLst>
+          </p:cNvPr>
+          <p:cNvPicPr>
+            <a:picLocks noChangeAspect="1"/>
+          </p:cNvPicPr>
+          <p:nvPr/>
+        </p:nvPicPr>
+        <p:blipFill>
+          <a:blip r:embed="rId3"/>
+          <a:stretch>
+            <a:fillRect/>
+          </a:stretch>
+        </p:blipFill>
+        <p:spPr>
+          <a:xfrm>
+            <a:off x="593053" y="1889672"/>
+            <a:ext cx="11005894" cy="4466678"/>
+          </a:xfrm>
+          <a:prstGeom prst="rect">
+            <a:avLst/>
+          </a:prstGeom>
+        </p:spPr>
+      </p:pic>
+    </p:spTree>
+    <p:extLst>
+      <p:ext uri="{BB962C8B-B14F-4D97-AF65-F5344CB8AC3E}">
+        <p14:creationId xmlns:p14="http://schemas.microsoft.com/office/powerpoint/2010/main" val="3777017432"/>
+      </p:ext>
+    </p:extLst>
+  </p:cSld>
+  <p:clrMapOvr>
+    <a:masterClrMapping/>
+  </p:clrMapOvr>
+</p:sld>
+</file>
+
+<file path=ppt/slides/slide23.xml><?xml version="1.0" encoding="utf-8"?>
+<p:sld xmlns:a="http://schemas.openxmlformats.org/drawingml/2006/main" xmlns:r="http://schemas.openxmlformats.org/officeDocument/2006/relationships" xmlns:p="http://schemas.openxmlformats.org/presentationml/2006/main">
+  <p:cSld>
+    <p:spTree>
+      <p:nvGrpSpPr>
+        <p:cNvPr id="1" name=""/>
+        <p:cNvGrpSpPr/>
+        <p:nvPr/>
+      </p:nvGrpSpPr>
+      <p:grpSpPr>
+        <a:xfrm>
+          <a:off x="0" y="0"/>
+          <a:ext cx="0" cy="0"/>
+          <a:chOff x="0" y="0"/>
+          <a:chExt cx="0" cy="0"/>
+        </a:xfrm>
+      </p:grpSpPr>
+      <p:sp>
+        <p:nvSpPr>
+          <p:cNvPr id="2" name="タイトル 1">
+            <a:extLst>
+              <a:ext uri="{FF2B5EF4-FFF2-40B4-BE49-F238E27FC236}">
+                <a16:creationId xmlns:a16="http://schemas.microsoft.com/office/drawing/2014/main" id="{3A3C7BDB-B7D1-465C-9965-C0C4D79D10F4}"/>
+              </a:ext>
+            </a:extLst>
+          </p:cNvPr>
+          <p:cNvSpPr>
+            <a:spLocks noGrp="1"/>
+          </p:cNvSpPr>
+          <p:nvPr>
+            <p:ph type="title"/>
+          </p:nvPr>
+        </p:nvSpPr>
+        <p:spPr/>
+        <p:txBody>
+          <a:bodyPr rtlCol="0"/>
+          <a:lstStyle/>
+          <a:p>
+            <a:pPr rtl="0"/>
+            <a:r>
+              <a:rPr lang="ja-JP" altLang="en-US" b="1" i="0" dirty="0">
+                <a:latin typeface="Meiryo UI" panose="020B0604030504040204" pitchFamily="50" charset="-128"/>
+                <a:ea typeface="Meiryo UI" panose="020B0604030504040204" pitchFamily="50" charset="-128"/>
+              </a:rPr>
+              <a:t>パーセプトロン</a:t>
+            </a:r>
+            <a:endParaRPr lang="ja-JP" altLang="en-US" b="1" i="0" dirty="0">
+              <a:solidFill>
+                <a:schemeClr val="accent1">
+                  <a:lumMod val="60000"/>
+                  <a:lumOff val="40000"/>
+                </a:schemeClr>
+              </a:solidFill>
+              <a:latin typeface="Meiryo UI" panose="020B0604030504040204" pitchFamily="50" charset="-128"/>
+              <a:ea typeface="Meiryo UI" panose="020B0604030504040204" pitchFamily="50" charset="-128"/>
+            </a:endParaRPr>
+          </a:p>
+        </p:txBody>
+      </p:sp>
+      <p:sp>
+        <p:nvSpPr>
+          <p:cNvPr id="8" name="スライド番号プレースホルダー 7">
+            <a:extLst>
+              <a:ext uri="{FF2B5EF4-FFF2-40B4-BE49-F238E27FC236}">
+                <a16:creationId xmlns:a16="http://schemas.microsoft.com/office/drawing/2014/main" id="{60264F83-93CE-4B81-87A0-2FF1A991148D}"/>
+              </a:ext>
+            </a:extLst>
+          </p:cNvPr>
+          <p:cNvSpPr>
+            <a:spLocks noGrp="1"/>
+          </p:cNvSpPr>
+          <p:nvPr>
+            <p:ph type="sldNum" sz="quarter" idx="12"/>
+          </p:nvPr>
+        </p:nvSpPr>
+        <p:spPr/>
+        <p:txBody>
+          <a:bodyPr rtlCol="0"/>
+          <a:lstStyle/>
+          <a:p>
+            <a:pPr rtl="0"/>
+            <a:fld id="{B9713C8C-8E70-45D5-AE59-23E60168254E}" type="slidenum">
+              <a:rPr lang="en-US" altLang="ja-JP" smtClean="0">
+                <a:latin typeface="Meiryo UI" panose="020B0604030504040204" pitchFamily="50" charset="-128"/>
+                <a:ea typeface="Meiryo UI" panose="020B0604030504040204" pitchFamily="50" charset="-128"/>
+              </a:rPr>
+              <a:t>23</a:t>
+            </a:fld>
+            <a:endParaRPr lang="ja-JP" altLang="en-US" dirty="0">
+              <a:latin typeface="Meiryo UI" panose="020B0604030504040204" pitchFamily="50" charset="-128"/>
+              <a:ea typeface="Meiryo UI" panose="020B0604030504040204" pitchFamily="50" charset="-128"/>
+            </a:endParaRPr>
+          </a:p>
+        </p:txBody>
+      </p:sp>
+      <p:pic>
+        <p:nvPicPr>
+          <p:cNvPr id="5" name="図 4" descr="グラフ が含まれている画像&#10;&#10;自動的に生成された説明">
+            <a:extLst>
+              <a:ext uri="{FF2B5EF4-FFF2-40B4-BE49-F238E27FC236}">
+                <a16:creationId xmlns:a16="http://schemas.microsoft.com/office/drawing/2014/main" id="{4E68BBE2-A442-2782-7DD0-C732E324D3D7}"/>
+              </a:ext>
+            </a:extLst>
+          </p:cNvPr>
+          <p:cNvPicPr>
+            <a:picLocks noChangeAspect="1"/>
+          </p:cNvPicPr>
+          <p:nvPr/>
+        </p:nvPicPr>
+        <p:blipFill>
+          <a:blip r:embed="rId3"/>
+          <a:stretch>
+            <a:fillRect/>
+          </a:stretch>
+        </p:blipFill>
+        <p:spPr>
+          <a:xfrm>
+            <a:off x="4339479" y="0"/>
+            <a:ext cx="5575610" cy="6858000"/>
+          </a:xfrm>
+          <a:prstGeom prst="rect">
+            <a:avLst/>
+          </a:prstGeom>
+        </p:spPr>
+      </p:pic>
+      <p:sp>
+        <p:nvSpPr>
+          <p:cNvPr id="7" name="テキスト ボックス 6">
+            <a:extLst>
+              <a:ext uri="{FF2B5EF4-FFF2-40B4-BE49-F238E27FC236}">
+                <a16:creationId xmlns:a16="http://schemas.microsoft.com/office/drawing/2014/main" id="{59DE1268-E43E-3736-7F08-91E5D8E91C85}"/>
+              </a:ext>
+            </a:extLst>
+          </p:cNvPr>
+          <p:cNvSpPr txBox="1"/>
+          <p:nvPr/>
+        </p:nvSpPr>
+        <p:spPr>
+          <a:xfrm>
+            <a:off x="516783" y="3676590"/>
+            <a:ext cx="6700934" cy="2862322"/>
+          </a:xfrm>
+          <a:prstGeom prst="rect">
+            <a:avLst/>
+          </a:prstGeom>
+          <a:noFill/>
+        </p:spPr>
+        <p:txBody>
+          <a:bodyPr wrap="square" rtlCol="0">
+            <a:spAutoFit/>
+          </a:bodyPr>
+          <a:lstStyle/>
+          <a:p>
+            <a:r>
+              <a:rPr kumimoji="1" lang="ja-JP" altLang="en-US" sz="3600" dirty="0"/>
+              <a:t>問題</a:t>
+            </a:r>
+            <a:endParaRPr kumimoji="1" lang="en-US" altLang="ja-JP" sz="3600" dirty="0"/>
+          </a:p>
+          <a:p>
+            <a:r>
+              <a:rPr kumimoji="1" lang="ja-JP" altLang="en-US" sz="3600" dirty="0"/>
+              <a:t>次の点群を</a:t>
+            </a:r>
+            <a:endParaRPr kumimoji="1" lang="en-US" altLang="ja-JP" sz="3600" dirty="0"/>
+          </a:p>
+          <a:p>
+            <a:r>
+              <a:rPr kumimoji="1" lang="ja-JP" altLang="en-US" sz="3600" dirty="0"/>
+              <a:t>非線形分離する</a:t>
+            </a:r>
+            <a:endParaRPr kumimoji="1" lang="en-US" altLang="ja-JP" sz="3600" dirty="0"/>
+          </a:p>
+          <a:p>
+            <a:r>
+              <a:rPr kumimoji="1" lang="ja-JP" altLang="en-US" sz="3600" dirty="0"/>
+              <a:t>多層パーセプトロンを設計せよ</a:t>
+            </a:r>
+            <a:endParaRPr kumimoji="1" lang="en-US" altLang="ja-JP" sz="3600" dirty="0"/>
+          </a:p>
+          <a:p>
+            <a:r>
+              <a:rPr kumimoji="1" lang="ja-JP" altLang="en-US" sz="3600" dirty="0"/>
+              <a:t>（重みとバイアスも自由）</a:t>
+            </a:r>
+            <a:endParaRPr kumimoji="1" lang="ja-JP" altLang="en-US" dirty="0"/>
+          </a:p>
+        </p:txBody>
+      </p:sp>
+    </p:spTree>
+    <p:extLst>
+      <p:ext uri="{BB962C8B-B14F-4D97-AF65-F5344CB8AC3E}">
+        <p14:creationId xmlns:p14="http://schemas.microsoft.com/office/powerpoint/2010/main" val="129331774"/>
+      </p:ext>
+    </p:extLst>
+  </p:cSld>
+  <p:clrMapOvr>
+    <a:masterClrMapping/>
+  </p:clrMapOvr>
+</p:sld>
+</file>
+
+<file path=ppt/slides/slide24.xml><?xml version="1.0" encoding="utf-8"?>
+<p:sld xmlns:a="http://schemas.openxmlformats.org/drawingml/2006/main" xmlns:r="http://schemas.openxmlformats.org/officeDocument/2006/relationships" xmlns:p="http://schemas.openxmlformats.org/presentationml/2006/main">
+  <p:cSld>
+    <p:spTree>
+      <p:nvGrpSpPr>
+        <p:cNvPr id="1" name=""/>
+        <p:cNvGrpSpPr/>
+        <p:nvPr/>
+      </p:nvGrpSpPr>
+      <p:grpSpPr>
+        <a:xfrm>
+          <a:off x="0" y="0"/>
+          <a:ext cx="0" cy="0"/>
+          <a:chOff x="0" y="0"/>
+          <a:chExt cx="0" cy="0"/>
+        </a:xfrm>
+      </p:grpSpPr>
+      <p:sp>
+        <p:nvSpPr>
+          <p:cNvPr id="2" name="タイトル 1">
+            <a:extLst>
+              <a:ext uri="{FF2B5EF4-FFF2-40B4-BE49-F238E27FC236}">
+                <a16:creationId xmlns:a16="http://schemas.microsoft.com/office/drawing/2014/main" id="{3A3C7BDB-B7D1-465C-9965-C0C4D79D10F4}"/>
+              </a:ext>
+            </a:extLst>
+          </p:cNvPr>
+          <p:cNvSpPr>
+            <a:spLocks noGrp="1"/>
+          </p:cNvSpPr>
+          <p:nvPr>
+            <p:ph type="title"/>
+          </p:nvPr>
+        </p:nvSpPr>
+        <p:spPr/>
+        <p:txBody>
+          <a:bodyPr rtlCol="0"/>
+          <a:lstStyle/>
+          <a:p>
+            <a:pPr rtl="0"/>
+            <a:r>
+              <a:rPr lang="ja-JP" altLang="en-US" b="1" i="0" dirty="0">
+                <a:latin typeface="Meiryo UI" panose="020B0604030504040204" pitchFamily="50" charset="-128"/>
+                <a:ea typeface="Meiryo UI" panose="020B0604030504040204" pitchFamily="50" charset="-128"/>
+              </a:rPr>
+              <a:t>パーセプトロン</a:t>
+            </a:r>
+            <a:endParaRPr lang="ja-JP" altLang="en-US" b="1" i="0" dirty="0">
+              <a:solidFill>
+                <a:schemeClr val="accent1">
+                  <a:lumMod val="60000"/>
+                  <a:lumOff val="40000"/>
+                </a:schemeClr>
+              </a:solidFill>
+              <a:latin typeface="Meiryo UI" panose="020B0604030504040204" pitchFamily="50" charset="-128"/>
+              <a:ea typeface="Meiryo UI" panose="020B0604030504040204" pitchFamily="50" charset="-128"/>
+            </a:endParaRPr>
+          </a:p>
+        </p:txBody>
+      </p:sp>
+      <p:sp>
+        <p:nvSpPr>
+          <p:cNvPr id="8" name="スライド番号プレースホルダー 7">
+            <a:extLst>
+              <a:ext uri="{FF2B5EF4-FFF2-40B4-BE49-F238E27FC236}">
+                <a16:creationId xmlns:a16="http://schemas.microsoft.com/office/drawing/2014/main" id="{60264F83-93CE-4B81-87A0-2FF1A991148D}"/>
+              </a:ext>
+            </a:extLst>
+          </p:cNvPr>
+          <p:cNvSpPr>
+            <a:spLocks noGrp="1"/>
+          </p:cNvSpPr>
+          <p:nvPr>
+            <p:ph type="sldNum" sz="quarter" idx="12"/>
+          </p:nvPr>
+        </p:nvSpPr>
+        <p:spPr/>
+        <p:txBody>
+          <a:bodyPr rtlCol="0"/>
+          <a:lstStyle/>
+          <a:p>
+            <a:pPr rtl="0"/>
+            <a:fld id="{B9713C8C-8E70-45D5-AE59-23E60168254E}" type="slidenum">
+              <a:rPr lang="en-US" altLang="ja-JP" smtClean="0">
+                <a:latin typeface="Meiryo UI" panose="020B0604030504040204" pitchFamily="50" charset="-128"/>
+                <a:ea typeface="Meiryo UI" panose="020B0604030504040204" pitchFamily="50" charset="-128"/>
+              </a:rPr>
+              <a:t>24</a:t>
+            </a:fld>
+            <a:endParaRPr lang="ja-JP" altLang="en-US" dirty="0">
+              <a:latin typeface="Meiryo UI" panose="020B0604030504040204" pitchFamily="50" charset="-128"/>
+              <a:ea typeface="Meiryo UI" panose="020B0604030504040204" pitchFamily="50" charset="-128"/>
+            </a:endParaRPr>
+          </a:p>
+        </p:txBody>
+      </p:sp>
+      <p:pic>
+        <p:nvPicPr>
+          <p:cNvPr id="5" name="図 4" descr="時計 が含まれている画像&#10;&#10;自動的に生成された説明">
+            <a:extLst>
+              <a:ext uri="{FF2B5EF4-FFF2-40B4-BE49-F238E27FC236}">
+                <a16:creationId xmlns:a16="http://schemas.microsoft.com/office/drawing/2014/main" id="{74A51C9F-A3A0-2B1B-FC03-870952ACEBAB}"/>
+              </a:ext>
+            </a:extLst>
+          </p:cNvPr>
+          <p:cNvPicPr>
+            <a:picLocks noChangeAspect="1"/>
+          </p:cNvPicPr>
+          <p:nvPr/>
+        </p:nvPicPr>
+        <p:blipFill>
+          <a:blip r:embed="rId3"/>
+          <a:stretch>
+            <a:fillRect/>
+          </a:stretch>
+        </p:blipFill>
+        <p:spPr>
+          <a:xfrm>
+            <a:off x="523461" y="1838210"/>
+            <a:ext cx="11145078" cy="4370618"/>
+          </a:xfrm>
+          <a:prstGeom prst="rect">
+            <a:avLst/>
+          </a:prstGeom>
+        </p:spPr>
+      </p:pic>
+    </p:spTree>
+    <p:extLst>
+      <p:ext uri="{BB962C8B-B14F-4D97-AF65-F5344CB8AC3E}">
+        <p14:creationId xmlns:p14="http://schemas.microsoft.com/office/powerpoint/2010/main" val="3967964876"/>
       </p:ext>
     </p:extLst>
   </p:cSld>
@@ -39978,10 +43875,7 @@
           <a:bodyPr/>
           <a:lstStyle/>
           <a:p>
-            <a:r>
-              <a:rPr lang="en-US" altLang="ja-JP" dirty="0"/>
-              <a:t>]</a:t>
-            </a:r>
+            <a:endParaRPr lang="en-US" altLang="ja-JP" dirty="0"/>
           </a:p>
           <a:p>
             <a:endParaRPr lang="en-US" altLang="ja-JP" dirty="0"/>
@@ -42195,15 +46089,6 @@
 </file>
 
 <file path=customXml/item1.xml><?xml version="1.0" encoding="utf-8"?>
-<?mso-contentType ?>
-<FormTemplates xmlns="http://schemas.microsoft.com/sharepoint/v3/contenttype/forms">
-  <Display>DocumentLibraryForm</Display>
-  <Edit>DocumentLibraryForm</Edit>
-  <New>DocumentLibraryForm</New>
-</FormTemplates>
-</file>
-
-<file path=customXml/item2.xml><?xml version="1.0" encoding="utf-8"?>
 <ct:contentTypeSchema xmlns:ct="http://schemas.microsoft.com/office/2006/metadata/contentType" xmlns:ma="http://schemas.microsoft.com/office/2006/metadata/properties/metaAttributes" ct:_="" ma:_="" ma:contentTypeName="Document" ma:contentTypeID="0x01010079F111ED35F8CC479449609E8A0923A6" ma:contentTypeVersion="12" ma:contentTypeDescription="Create a new document." ma:contentTypeScope="" ma:versionID="426e97fa315356fffbdcd9876fe988c2">
   <xsd:schema xmlns:xsd="http://www.w3.org/2001/XMLSchema" xmlns:xs="http://www.w3.org/2001/XMLSchema" xmlns:p="http://schemas.microsoft.com/office/2006/metadata/properties" xmlns:ns2="71af3243-3dd4-4a8d-8c0d-dd76da1f02a5" xmlns:ns3="16c05727-aa75-4e4a-9b5f-8a80a1165891" targetNamespace="http://schemas.microsoft.com/office/2006/metadata/properties" ma:root="true" ma:fieldsID="14b8f0def80e6d70ce3def20c90759ae" ns2:_="" ns3:_="">
     <xsd:import namespace="71af3243-3dd4-4a8d-8c0d-dd76da1f02a5"/>
@@ -42424,6 +46309,15 @@
 </ct:contentTypeSchema>
 </file>
 
+<file path=customXml/item2.xml><?xml version="1.0" encoding="utf-8"?>
+<?mso-contentType ?>
+<FormTemplates xmlns="http://schemas.microsoft.com/sharepoint/v3/contenttype/forms">
+  <Display>DocumentLibraryForm</Display>
+  <Edit>DocumentLibraryForm</Edit>
+  <New>DocumentLibraryForm</New>
+</FormTemplates>
+</file>
+
 <file path=customXml/item3.xml><?xml version="1.0" encoding="utf-8"?>
 <p:properties xmlns:p="http://schemas.microsoft.com/office/2006/metadata/properties" xmlns:xsi="http://www.w3.org/2001/XMLSchema-instance" xmlns:pc="http://schemas.microsoft.com/office/infopath/2007/PartnerControls">
   <documentManagement>
@@ -42434,14 +46328,6 @@
 </file>
 
 <file path=customXml/itemProps1.xml><?xml version="1.0" encoding="utf-8"?>
-<ds:datastoreItem xmlns:ds="http://schemas.openxmlformats.org/officeDocument/2006/customXml" ds:itemID="{C0DCE9DA-F7FD-45FA-83B7-D9813A44258A}">
-  <ds:schemaRefs>
-    <ds:schemaRef ds:uri="http://schemas.microsoft.com/sharepoint/v3/contenttype/forms"/>
-  </ds:schemaRefs>
-</ds:datastoreItem>
-</file>
-
-<file path=customXml/itemProps2.xml><?xml version="1.0" encoding="utf-8"?>
 <ds:datastoreItem xmlns:ds="http://schemas.openxmlformats.org/officeDocument/2006/customXml" ds:itemID="{897C4F4F-E645-4C6F-B0C3-39923BA08249}">
   <ds:schemaRefs>
     <ds:schemaRef ds:uri="http://schemas.microsoft.com/office/2006/metadata/contentType"/>
@@ -42456,6 +46342,14 @@
     <ds:schemaRef ds:uri="http://purl.org/dc/elements/1.1/"/>
     <ds:schemaRef ds:uri="http://purl.org/dc/terms/"/>
     <ds:schemaRef ds:uri="http://schemas.microsoft.com/internal/obd"/>
+  </ds:schemaRefs>
+</ds:datastoreItem>
+</file>
+
+<file path=customXml/itemProps2.xml><?xml version="1.0" encoding="utf-8"?>
+<ds:datastoreItem xmlns:ds="http://schemas.openxmlformats.org/officeDocument/2006/customXml" ds:itemID="{C0DCE9DA-F7FD-45FA-83B7-D9813A44258A}">
+  <ds:schemaRefs>
+    <ds:schemaRef ds:uri="http://schemas.microsoft.com/sharepoint/v3/contenttype/forms"/>
   </ds:schemaRefs>
 </ds:datastoreItem>
 </file>
